--- a/semester1_technology_skills/04_python1/slides/DigitalSkills_01_04_Python1_220221_v2.pptx
+++ b/semester1_technology_skills/04_python1/slides/DigitalSkills_01_04_Python1_220221_v2.pptx
@@ -5,18 +5,19 @@
     <p:sldMasterId id="2147483648" r:id="rId1"/>
   </p:sldMasterIdLst>
   <p:notesMasterIdLst>
-    <p:notesMasterId r:id="rId6"/>
+    <p:notesMasterId r:id="rId7"/>
   </p:notesMasterIdLst>
   <p:sldIdLst>
     <p:sldId id="428" r:id="rId2"/>
     <p:sldId id="432" r:id="rId3"/>
     <p:sldId id="434" r:id="rId4"/>
     <p:sldId id="433" r:id="rId5"/>
+    <p:sldId id="435" r:id="rId6"/>
   </p:sldIdLst>
   <p:sldSz cx="12192000" cy="6858000"/>
   <p:notesSz cx="6858000" cy="9144000"/>
   <p:custDataLst>
-    <p:tags r:id="rId7"/>
+    <p:tags r:id="rId8"/>
   </p:custDataLst>
   <p:defaultTextStyle>
     <a:defPPr>
@@ -214,7 +215,7 @@
           <a:p>
             <a:fld id="{DE7E3AB8-876E-1542-BA35-CC1AAFD17F71}" type="datetimeFigureOut">
               <a:rPr lang="de-DE" smtClean="0"/>
-              <a:t>21.02.22</a:t>
+              <a:t>23.02.22</a:t>
             </a:fld>
             <a:endParaRPr lang="de-DE"/>
           </a:p>
@@ -4550,7 +4551,7 @@
           <a:graphicData uri="http://schemas.openxmlformats.org/presentationml/2006/ole">
             <mc:AlternateContent xmlns:mc="http://schemas.openxmlformats.org/markup-compatibility/2006">
               <mc:Choice xmlns:v="urn:schemas-microsoft-com:vml" Requires="v">
-                <p:oleObj spid="_x0000_s1080" name="think-cell Slide" r:id="rId13" imgW="7772400" imgH="10058400" progId="TCLayout.ActiveDocument.1">
+                <p:oleObj spid="_x0000_s1082" name="think-cell Slide" r:id="rId13" imgW="7772400" imgH="10058400" progId="TCLayout.ActiveDocument.1">
                   <p:embed/>
                 </p:oleObj>
               </mc:Choice>
@@ -4731,7 +4732,7 @@
           <a:p>
             <a:fld id="{8C445101-65EE-0048-9A14-29E3837D9AD2}" type="datetimeFigureOut">
               <a:rPr lang="de-DE" smtClean="0"/>
-              <a:t>21.02.22</a:t>
+              <a:t>23.02.22</a:t>
             </a:fld>
             <a:endParaRPr lang="de-DE"/>
           </a:p>
@@ -5177,7 +5178,7 @@
           <a:graphicData uri="http://schemas.openxmlformats.org/presentationml/2006/ole">
             <mc:AlternateContent xmlns:mc="http://schemas.openxmlformats.org/markup-compatibility/2006">
               <mc:Choice xmlns:v="urn:schemas-microsoft-com:vml" Requires="v">
-                <p:oleObj spid="_x0000_s2054" name="think-cell Slide" r:id="rId4" imgW="7772400" imgH="10058400" progId="TCLayout.ActiveDocument.1">
+                <p:oleObj spid="_x0000_s2056" name="think-cell Slide" r:id="rId4" imgW="7772400" imgH="10058400" progId="TCLayout.ActiveDocument.1">
                   <p:embed/>
                 </p:oleObj>
               </mc:Choice>
@@ -5357,7 +5358,7 @@
           <a:graphicData uri="http://schemas.openxmlformats.org/presentationml/2006/ole">
             <mc:AlternateContent xmlns:mc="http://schemas.openxmlformats.org/markup-compatibility/2006">
               <mc:Choice xmlns:v="urn:schemas-microsoft-com:vml" Requires="v">
-                <p:oleObj spid="_x0000_s3078" name="think-cell Slide" r:id="rId4" imgW="7772400" imgH="10058400" progId="TCLayout.ActiveDocument.1">
+                <p:oleObj spid="_x0000_s3080" name="think-cell Slide" r:id="rId4" imgW="7772400" imgH="10058400" progId="TCLayout.ActiveDocument.1">
                   <p:embed/>
                 </p:oleObj>
               </mc:Choice>
@@ -5670,7 +5671,7 @@
           <a:graphicData uri="http://schemas.openxmlformats.org/presentationml/2006/ole">
             <mc:AlternateContent xmlns:mc="http://schemas.openxmlformats.org/markup-compatibility/2006">
               <mc:Choice xmlns:v="urn:schemas-microsoft-com:vml" Requires="v">
-                <p:oleObj spid="_x0000_s5121" name="think-cell Slide" r:id="rId4" imgW="7772400" imgH="10058400" progId="TCLayout.ActiveDocument.1">
+                <p:oleObj spid="_x0000_s5123" name="think-cell Slide" r:id="rId4" imgW="7772400" imgH="10058400" progId="TCLayout.ActiveDocument.1">
                   <p:embed/>
                 </p:oleObj>
               </mc:Choice>
@@ -5989,7 +5990,7 @@
           <a:graphicData uri="http://schemas.openxmlformats.org/presentationml/2006/ole">
             <mc:AlternateContent xmlns:mc="http://schemas.openxmlformats.org/markup-compatibility/2006">
               <mc:Choice xmlns:v="urn:schemas-microsoft-com:vml" Requires="v">
-                <p:oleObj spid="_x0000_s4102" name="think-cell Slide" r:id="rId4" imgW="7772400" imgH="10058400" progId="TCLayout.ActiveDocument.1">
+                <p:oleObj spid="_x0000_s4104" name="think-cell Slide" r:id="rId4" imgW="7772400" imgH="10058400" progId="TCLayout.ActiveDocument.1">
                   <p:embed/>
                 </p:oleObj>
               </mc:Choice>
@@ -6265,6 +6266,764 @@
 </p:sld>
 </file>
 
+<file path=ppt/slides/slide5.xml><?xml version="1.0" encoding="utf-8"?>
+<p:sld xmlns:a="http://schemas.openxmlformats.org/drawingml/2006/main" xmlns:r="http://schemas.openxmlformats.org/officeDocument/2006/relationships" xmlns:p="http://schemas.openxmlformats.org/presentationml/2006/main">
+  <p:cSld>
+    <p:spTree>
+      <p:nvGrpSpPr>
+        <p:cNvPr id="1" name=""/>
+        <p:cNvGrpSpPr/>
+        <p:nvPr/>
+      </p:nvGrpSpPr>
+      <p:grpSpPr>
+        <a:xfrm>
+          <a:off x="0" y="0"/>
+          <a:ext cx="0" cy="0"/>
+          <a:chOff x="0" y="0"/>
+          <a:chExt cx="0" cy="0"/>
+        </a:xfrm>
+      </p:grpSpPr>
+      <p:graphicFrame>
+        <p:nvGraphicFramePr>
+          <p:cNvPr id="4" name="Object 3" hidden="1">
+            <a:extLst>
+              <a:ext uri="{FF2B5EF4-FFF2-40B4-BE49-F238E27FC236}">
+                <a16:creationId xmlns:a16="http://schemas.microsoft.com/office/drawing/2014/main" id="{00157BD2-12ED-954F-9BA2-3DB7503C79E9}"/>
+              </a:ext>
+            </a:extLst>
+          </p:cNvPr>
+          <p:cNvGraphicFramePr>
+            <a:graphicFrameLocks noChangeAspect="1"/>
+          </p:cNvGraphicFramePr>
+          <p:nvPr>
+            <p:custDataLst>
+              <p:tags r:id="rId2"/>
+            </p:custDataLst>
+            <p:extLst>
+              <p:ext uri="{D42A27DB-BD31-4B8C-83A1-F6EECF244321}">
+                <p14:modId xmlns:p14="http://schemas.microsoft.com/office/powerpoint/2010/main" val="1714295803"/>
+              </p:ext>
+            </p:extLst>
+          </p:nvPr>
+        </p:nvGraphicFramePr>
+        <p:xfrm>
+          <a:off x="1588" y="1588"/>
+          <a:ext cx="1227" cy="1588"/>
+        </p:xfrm>
+        <a:graphic>
+          <a:graphicData uri="http://schemas.openxmlformats.org/presentationml/2006/ole">
+            <mc:AlternateContent xmlns:mc="http://schemas.openxmlformats.org/markup-compatibility/2006">
+              <mc:Choice xmlns:v="urn:schemas-microsoft-com:vml" Requires="v">
+                <p:oleObj spid="_x0000_s7170" name="think-cell Slide" r:id="rId4" imgW="7772400" imgH="10058400" progId="TCLayout.ActiveDocument.1">
+                  <p:embed/>
+                </p:oleObj>
+              </mc:Choice>
+              <mc:Fallback>
+                <p:oleObj name="think-cell Slide" r:id="rId4" imgW="7772400" imgH="10058400" progId="TCLayout.ActiveDocument.1">
+                  <p:embed/>
+                  <p:pic>
+                    <p:nvPicPr>
+                      <p:cNvPr id="0" name=""/>
+                      <p:cNvPicPr/>
+                      <p:nvPr/>
+                    </p:nvPicPr>
+                    <p:blipFill>
+                      <a:blip r:embed="rId5"/>
+                      <a:stretch>
+                        <a:fillRect/>
+                      </a:stretch>
+                    </p:blipFill>
+                    <p:spPr>
+                      <a:xfrm>
+                        <a:off x="1588" y="1588"/>
+                        <a:ext cx="1227" cy="1588"/>
+                      </a:xfrm>
+                      <a:prstGeom prst="rect">
+                        <a:avLst/>
+                      </a:prstGeom>
+                    </p:spPr>
+                  </p:pic>
+                </p:oleObj>
+              </mc:Fallback>
+            </mc:AlternateContent>
+          </a:graphicData>
+        </a:graphic>
+      </p:graphicFrame>
+      <p:sp>
+        <p:nvSpPr>
+          <p:cNvPr id="2" name="Title 1">
+            <a:extLst>
+              <a:ext uri="{FF2B5EF4-FFF2-40B4-BE49-F238E27FC236}">
+                <a16:creationId xmlns:a16="http://schemas.microsoft.com/office/drawing/2014/main" id="{3686355F-B6C5-7A4A-AB63-404AF6748027}"/>
+              </a:ext>
+            </a:extLst>
+          </p:cNvPr>
+          <p:cNvSpPr>
+            <a:spLocks noGrp="1"/>
+          </p:cNvSpPr>
+          <p:nvPr>
+            <p:ph type="title"/>
+          </p:nvPr>
+        </p:nvSpPr>
+        <p:spPr/>
+        <p:txBody>
+          <a:bodyPr vert="horz"/>
+          <a:lstStyle/>
+          <a:p>
+            <a:r>
+              <a:rPr lang="de-DE" dirty="0"/>
+              <a:t>Pseudocode</a:t>
+            </a:r>
+          </a:p>
+        </p:txBody>
+      </p:sp>
+      <p:sp>
+        <p:nvSpPr>
+          <p:cNvPr id="3" name="Content Placeholder 2">
+            <a:extLst>
+              <a:ext uri="{FF2B5EF4-FFF2-40B4-BE49-F238E27FC236}">
+                <a16:creationId xmlns:a16="http://schemas.microsoft.com/office/drawing/2014/main" id="{537D458F-603B-A84C-8B08-6550F16DD2AF}"/>
+              </a:ext>
+            </a:extLst>
+          </p:cNvPr>
+          <p:cNvSpPr>
+            <a:spLocks noGrp="1"/>
+          </p:cNvSpPr>
+          <p:nvPr>
+            <p:ph idx="1"/>
+          </p:nvPr>
+        </p:nvSpPr>
+        <p:spPr>
+          <a:xfrm>
+            <a:off x="517747" y="1111184"/>
+            <a:ext cx="7198285" cy="4351338"/>
+          </a:xfrm>
+        </p:spPr>
+        <p:txBody>
+          <a:bodyPr>
+            <a:noAutofit/>
+          </a:bodyPr>
+          <a:lstStyle/>
+          <a:p>
+            <a:pPr marL="0" indent="0">
+              <a:buNone/>
+            </a:pPr>
+            <a:r>
+              <a:rPr lang="de-DE" sz="1800" dirty="0">
+                <a:latin typeface="Source Code Pro" panose="020B0509030403020204" pitchFamily="49" charset="77"/>
+              </a:rPr>
+              <a:t>1 Pick </a:t>
+            </a:r>
+            <a:r>
+              <a:rPr lang="de-DE" sz="1800" dirty="0" err="1">
+                <a:latin typeface="Source Code Pro" panose="020B0509030403020204" pitchFamily="49" charset="77"/>
+              </a:rPr>
+              <a:t>up</a:t>
+            </a:r>
+            <a:r>
+              <a:rPr lang="de-DE" sz="1800" dirty="0">
+                <a:latin typeface="Source Code Pro" panose="020B0509030403020204" pitchFamily="49" charset="77"/>
+              </a:rPr>
+              <a:t> </a:t>
+            </a:r>
+            <a:r>
+              <a:rPr lang="de-DE" sz="1800" dirty="0" err="1">
+                <a:latin typeface="Source Code Pro" panose="020B0509030403020204" pitchFamily="49" charset="77"/>
+              </a:rPr>
+              <a:t>phone</a:t>
+            </a:r>
+            <a:r>
+              <a:rPr lang="de-DE" sz="1800" dirty="0">
+                <a:latin typeface="Source Code Pro" panose="020B0509030403020204" pitchFamily="49" charset="77"/>
+              </a:rPr>
+              <a:t> </a:t>
+            </a:r>
+            <a:r>
+              <a:rPr lang="de-DE" sz="1800" dirty="0" err="1">
+                <a:latin typeface="Source Code Pro" panose="020B0509030403020204" pitchFamily="49" charset="77"/>
+              </a:rPr>
+              <a:t>book</a:t>
+            </a:r>
+            <a:endParaRPr lang="de-DE" sz="1800" dirty="0">
+              <a:latin typeface="Source Code Pro" panose="020B0509030403020204" pitchFamily="49" charset="77"/>
+            </a:endParaRPr>
+          </a:p>
+          <a:p>
+            <a:pPr marL="0" indent="0">
+              <a:buNone/>
+            </a:pPr>
+            <a:r>
+              <a:rPr lang="de-DE" sz="1800" dirty="0">
+                <a:latin typeface="Source Code Pro" panose="020B0509030403020204" pitchFamily="49" charset="77"/>
+              </a:rPr>
+              <a:t>2 Open </a:t>
+            </a:r>
+            <a:r>
+              <a:rPr lang="de-DE" sz="1800" dirty="0" err="1">
+                <a:latin typeface="Source Code Pro" panose="020B0509030403020204" pitchFamily="49" charset="77"/>
+              </a:rPr>
+              <a:t>to</a:t>
+            </a:r>
+            <a:r>
+              <a:rPr lang="de-DE" sz="1800" dirty="0">
+                <a:latin typeface="Source Code Pro" panose="020B0509030403020204" pitchFamily="49" charset="77"/>
+              </a:rPr>
+              <a:t> </a:t>
+            </a:r>
+            <a:r>
+              <a:rPr lang="de-DE" sz="1800" dirty="0" err="1">
+                <a:latin typeface="Source Code Pro" panose="020B0509030403020204" pitchFamily="49" charset="77"/>
+              </a:rPr>
+              <a:t>middle</a:t>
+            </a:r>
+            <a:r>
+              <a:rPr lang="de-DE" sz="1800" dirty="0">
+                <a:latin typeface="Source Code Pro" panose="020B0509030403020204" pitchFamily="49" charset="77"/>
+              </a:rPr>
+              <a:t> </a:t>
+            </a:r>
+            <a:r>
+              <a:rPr lang="de-DE" sz="1800" dirty="0" err="1">
+                <a:latin typeface="Source Code Pro" panose="020B0509030403020204" pitchFamily="49" charset="77"/>
+              </a:rPr>
+              <a:t>of</a:t>
+            </a:r>
+            <a:r>
+              <a:rPr lang="de-DE" sz="1800" dirty="0">
+                <a:latin typeface="Source Code Pro" panose="020B0509030403020204" pitchFamily="49" charset="77"/>
+              </a:rPr>
+              <a:t> </a:t>
+            </a:r>
+            <a:r>
+              <a:rPr lang="de-DE" sz="1800" dirty="0" err="1">
+                <a:latin typeface="Source Code Pro" panose="020B0509030403020204" pitchFamily="49" charset="77"/>
+              </a:rPr>
+              <a:t>phone</a:t>
+            </a:r>
+            <a:r>
+              <a:rPr lang="de-DE" sz="1800" dirty="0">
+                <a:latin typeface="Source Code Pro" panose="020B0509030403020204" pitchFamily="49" charset="77"/>
+              </a:rPr>
+              <a:t> </a:t>
+            </a:r>
+            <a:r>
+              <a:rPr lang="de-DE" sz="1800" dirty="0" err="1">
+                <a:latin typeface="Source Code Pro" panose="020B0509030403020204" pitchFamily="49" charset="77"/>
+              </a:rPr>
+              <a:t>book</a:t>
+            </a:r>
+            <a:endParaRPr lang="de-DE" sz="1800" dirty="0">
+              <a:latin typeface="Source Code Pro" panose="020B0509030403020204" pitchFamily="49" charset="77"/>
+            </a:endParaRPr>
+          </a:p>
+          <a:p>
+            <a:pPr marL="0" indent="0">
+              <a:buNone/>
+            </a:pPr>
+            <a:r>
+              <a:rPr lang="de-DE" sz="1800" dirty="0">
+                <a:latin typeface="Source Code Pro" panose="020B0509030403020204" pitchFamily="49" charset="77"/>
+              </a:rPr>
+              <a:t>3 Look at </a:t>
+            </a:r>
+            <a:r>
+              <a:rPr lang="de-DE" sz="1800" dirty="0" err="1">
+                <a:latin typeface="Source Code Pro" panose="020B0509030403020204" pitchFamily="49" charset="77"/>
+              </a:rPr>
+              <a:t>page</a:t>
+            </a:r>
+            <a:endParaRPr lang="de-DE" sz="1800" dirty="0">
+              <a:latin typeface="Source Code Pro" panose="020B0509030403020204" pitchFamily="49" charset="77"/>
+            </a:endParaRPr>
+          </a:p>
+          <a:p>
+            <a:pPr marL="0" indent="0">
+              <a:buNone/>
+            </a:pPr>
+            <a:r>
+              <a:rPr lang="de-DE" sz="1800" dirty="0">
+                <a:latin typeface="Source Code Pro" panose="020B0509030403020204" pitchFamily="49" charset="77"/>
+              </a:rPr>
+              <a:t>4 </a:t>
+            </a:r>
+            <a:r>
+              <a:rPr lang="de-DE" sz="1800" dirty="0" err="1">
+                <a:latin typeface="Source Code Pro" panose="020B0509030403020204" pitchFamily="49" charset="77"/>
+              </a:rPr>
+              <a:t>If</a:t>
+            </a:r>
+            <a:r>
+              <a:rPr lang="de-DE" sz="1800" dirty="0">
+                <a:latin typeface="Source Code Pro" panose="020B0509030403020204" pitchFamily="49" charset="77"/>
+              </a:rPr>
+              <a:t> </a:t>
+            </a:r>
+            <a:r>
+              <a:rPr lang="de-DE" sz="1800" dirty="0" err="1">
+                <a:latin typeface="Source Code Pro" panose="020B0509030403020204" pitchFamily="49" charset="77"/>
+              </a:rPr>
+              <a:t>person</a:t>
+            </a:r>
+            <a:r>
+              <a:rPr lang="de-DE" sz="1800" dirty="0">
+                <a:latin typeface="Source Code Pro" panose="020B0509030403020204" pitchFamily="49" charset="77"/>
+              </a:rPr>
+              <a:t> </a:t>
+            </a:r>
+            <a:r>
+              <a:rPr lang="de-DE" sz="1800" dirty="0" err="1">
+                <a:latin typeface="Source Code Pro" panose="020B0509030403020204" pitchFamily="49" charset="77"/>
+              </a:rPr>
+              <a:t>is</a:t>
+            </a:r>
+            <a:r>
+              <a:rPr lang="de-DE" sz="1800" dirty="0">
+                <a:latin typeface="Source Code Pro" panose="020B0509030403020204" pitchFamily="49" charset="77"/>
+              </a:rPr>
+              <a:t> on </a:t>
+            </a:r>
+            <a:r>
+              <a:rPr lang="de-DE" sz="1800" dirty="0" err="1">
+                <a:latin typeface="Source Code Pro" panose="020B0509030403020204" pitchFamily="49" charset="77"/>
+              </a:rPr>
+              <a:t>page</a:t>
+            </a:r>
+            <a:endParaRPr lang="de-DE" sz="1800" dirty="0">
+              <a:latin typeface="Source Code Pro" panose="020B0509030403020204" pitchFamily="49" charset="77"/>
+            </a:endParaRPr>
+          </a:p>
+          <a:p>
+            <a:pPr marL="0" indent="0">
+              <a:buNone/>
+            </a:pPr>
+            <a:r>
+              <a:rPr lang="de-DE" sz="1800" dirty="0">
+                <a:latin typeface="Source Code Pro" panose="020B0509030403020204" pitchFamily="49" charset="77"/>
+              </a:rPr>
+              <a:t>5	Call </a:t>
+            </a:r>
+            <a:r>
+              <a:rPr lang="de-DE" sz="1800" dirty="0" err="1">
+                <a:latin typeface="Source Code Pro" panose="020B0509030403020204" pitchFamily="49" charset="77"/>
+              </a:rPr>
+              <a:t>person</a:t>
+            </a:r>
+            <a:endParaRPr lang="de-DE" sz="1800" dirty="0">
+              <a:latin typeface="Source Code Pro" panose="020B0509030403020204" pitchFamily="49" charset="77"/>
+            </a:endParaRPr>
+          </a:p>
+          <a:p>
+            <a:pPr marL="0" indent="0">
+              <a:buNone/>
+            </a:pPr>
+            <a:r>
+              <a:rPr lang="de-DE" sz="1800" dirty="0">
+                <a:latin typeface="Source Code Pro" panose="020B0509030403020204" pitchFamily="49" charset="77"/>
+              </a:rPr>
+              <a:t>6 Else </a:t>
+            </a:r>
+            <a:r>
+              <a:rPr lang="de-DE" sz="1800" dirty="0" err="1">
+                <a:latin typeface="Source Code Pro" panose="020B0509030403020204" pitchFamily="49" charset="77"/>
+              </a:rPr>
+              <a:t>if</a:t>
+            </a:r>
+            <a:r>
+              <a:rPr lang="de-DE" sz="1800" dirty="0">
+                <a:latin typeface="Source Code Pro" panose="020B0509030403020204" pitchFamily="49" charset="77"/>
+              </a:rPr>
+              <a:t> </a:t>
+            </a:r>
+            <a:r>
+              <a:rPr lang="de-DE" sz="1800" dirty="0" err="1">
+                <a:latin typeface="Source Code Pro" panose="020B0509030403020204" pitchFamily="49" charset="77"/>
+              </a:rPr>
+              <a:t>person</a:t>
+            </a:r>
+            <a:r>
+              <a:rPr lang="de-DE" sz="1800" dirty="0">
+                <a:latin typeface="Source Code Pro" panose="020B0509030403020204" pitchFamily="49" charset="77"/>
+              </a:rPr>
+              <a:t> </a:t>
+            </a:r>
+            <a:r>
+              <a:rPr lang="de-DE" sz="1800" dirty="0" err="1">
+                <a:latin typeface="Source Code Pro" panose="020B0509030403020204" pitchFamily="49" charset="77"/>
+              </a:rPr>
+              <a:t>is</a:t>
+            </a:r>
+            <a:r>
+              <a:rPr lang="de-DE" sz="1800" dirty="0">
+                <a:latin typeface="Source Code Pro" panose="020B0509030403020204" pitchFamily="49" charset="77"/>
+              </a:rPr>
+              <a:t> </a:t>
+            </a:r>
+            <a:r>
+              <a:rPr lang="de-DE" sz="1800" dirty="0" err="1">
+                <a:latin typeface="Source Code Pro" panose="020B0509030403020204" pitchFamily="49" charset="77"/>
+              </a:rPr>
+              <a:t>earlier</a:t>
+            </a:r>
+            <a:r>
+              <a:rPr lang="de-DE" sz="1800" dirty="0">
+                <a:latin typeface="Source Code Pro" panose="020B0509030403020204" pitchFamily="49" charset="77"/>
+              </a:rPr>
+              <a:t> in </a:t>
+            </a:r>
+            <a:r>
+              <a:rPr lang="de-DE" sz="1800" dirty="0" err="1">
+                <a:latin typeface="Source Code Pro" panose="020B0509030403020204" pitchFamily="49" charset="77"/>
+              </a:rPr>
+              <a:t>book</a:t>
+            </a:r>
+            <a:endParaRPr lang="de-DE" sz="1800" dirty="0">
+              <a:latin typeface="Source Code Pro" panose="020B0509030403020204" pitchFamily="49" charset="77"/>
+            </a:endParaRPr>
+          </a:p>
+          <a:p>
+            <a:pPr marL="0" indent="0">
+              <a:buNone/>
+            </a:pPr>
+            <a:r>
+              <a:rPr lang="de-DE" sz="1800" dirty="0">
+                <a:latin typeface="Source Code Pro" panose="020B0509030403020204" pitchFamily="49" charset="77"/>
+              </a:rPr>
+              <a:t>7   Open </a:t>
+            </a:r>
+            <a:r>
+              <a:rPr lang="de-DE" sz="1800" dirty="0" err="1">
+                <a:latin typeface="Source Code Pro" panose="020B0509030403020204" pitchFamily="49" charset="77"/>
+              </a:rPr>
+              <a:t>to</a:t>
+            </a:r>
+            <a:r>
+              <a:rPr lang="de-DE" sz="1800" dirty="0">
+                <a:latin typeface="Source Code Pro" panose="020B0509030403020204" pitchFamily="49" charset="77"/>
+              </a:rPr>
+              <a:t> </a:t>
+            </a:r>
+            <a:r>
+              <a:rPr lang="de-DE" sz="1800" dirty="0" err="1">
+                <a:latin typeface="Source Code Pro" panose="020B0509030403020204" pitchFamily="49" charset="77"/>
+              </a:rPr>
+              <a:t>middle</a:t>
+            </a:r>
+            <a:r>
+              <a:rPr lang="de-DE" sz="1800" dirty="0">
+                <a:latin typeface="Source Code Pro" panose="020B0509030403020204" pitchFamily="49" charset="77"/>
+              </a:rPr>
+              <a:t> </a:t>
+            </a:r>
+            <a:r>
+              <a:rPr lang="de-DE" sz="1800" dirty="0" err="1">
+                <a:latin typeface="Source Code Pro" panose="020B0509030403020204" pitchFamily="49" charset="77"/>
+              </a:rPr>
+              <a:t>of</a:t>
+            </a:r>
+            <a:r>
+              <a:rPr lang="de-DE" sz="1800" dirty="0">
+                <a:latin typeface="Source Code Pro" panose="020B0509030403020204" pitchFamily="49" charset="77"/>
+              </a:rPr>
+              <a:t> </a:t>
+            </a:r>
+            <a:r>
+              <a:rPr lang="de-DE" sz="1800" dirty="0" err="1">
+                <a:latin typeface="Source Code Pro" panose="020B0509030403020204" pitchFamily="49" charset="77"/>
+              </a:rPr>
+              <a:t>left</a:t>
+            </a:r>
+            <a:r>
+              <a:rPr lang="de-DE" sz="1800" dirty="0">
+                <a:latin typeface="Source Code Pro" panose="020B0509030403020204" pitchFamily="49" charset="77"/>
+              </a:rPr>
+              <a:t> half </a:t>
+            </a:r>
+            <a:r>
+              <a:rPr lang="de-DE" sz="1800" dirty="0" err="1">
+                <a:latin typeface="Source Code Pro" panose="020B0509030403020204" pitchFamily="49" charset="77"/>
+              </a:rPr>
+              <a:t>of</a:t>
+            </a:r>
+            <a:r>
+              <a:rPr lang="de-DE" sz="1800" dirty="0">
+                <a:latin typeface="Source Code Pro" panose="020B0509030403020204" pitchFamily="49" charset="77"/>
+              </a:rPr>
+              <a:t> </a:t>
+            </a:r>
+            <a:r>
+              <a:rPr lang="de-DE" sz="1800" dirty="0" err="1">
+                <a:latin typeface="Source Code Pro" panose="020B0509030403020204" pitchFamily="49" charset="77"/>
+              </a:rPr>
+              <a:t>book</a:t>
+            </a:r>
+            <a:endParaRPr lang="de-DE" sz="1800" dirty="0">
+              <a:latin typeface="Source Code Pro" panose="020B0509030403020204" pitchFamily="49" charset="77"/>
+            </a:endParaRPr>
+          </a:p>
+          <a:p>
+            <a:pPr marL="457200" indent="-457200">
+              <a:buAutoNum type="arabicPlain" startAt="8"/>
+            </a:pPr>
+            <a:r>
+              <a:rPr lang="de-DE" sz="1800" dirty="0">
+                <a:latin typeface="Source Code Pro" panose="020B0509030403020204" pitchFamily="49" charset="77"/>
+              </a:rPr>
+              <a:t> Go back </a:t>
+            </a:r>
+            <a:r>
+              <a:rPr lang="de-DE" sz="1800" dirty="0" err="1">
+                <a:latin typeface="Source Code Pro" panose="020B0509030403020204" pitchFamily="49" charset="77"/>
+              </a:rPr>
+              <a:t>to</a:t>
+            </a:r>
+            <a:r>
+              <a:rPr lang="de-DE" sz="1800" dirty="0">
+                <a:latin typeface="Source Code Pro" panose="020B0509030403020204" pitchFamily="49" charset="77"/>
+              </a:rPr>
+              <a:t> </a:t>
+            </a:r>
+            <a:r>
+              <a:rPr lang="de-DE" sz="1800" dirty="0" err="1">
+                <a:latin typeface="Source Code Pro" panose="020B0509030403020204" pitchFamily="49" charset="77"/>
+              </a:rPr>
+              <a:t>line</a:t>
+            </a:r>
+            <a:r>
+              <a:rPr lang="de-DE" sz="1800" dirty="0">
+                <a:latin typeface="Source Code Pro" panose="020B0509030403020204" pitchFamily="49" charset="77"/>
+              </a:rPr>
+              <a:t> 3</a:t>
+            </a:r>
+          </a:p>
+          <a:p>
+            <a:pPr marL="0" indent="0">
+              <a:buNone/>
+            </a:pPr>
+            <a:r>
+              <a:rPr lang="de-DE" sz="1800" dirty="0">
+                <a:latin typeface="Source Code Pro" panose="020B0509030403020204" pitchFamily="49" charset="77"/>
+              </a:rPr>
+              <a:t>9 Else </a:t>
+            </a:r>
+            <a:r>
+              <a:rPr lang="de-DE" sz="1800" dirty="0" err="1">
+                <a:latin typeface="Source Code Pro" panose="020B0509030403020204" pitchFamily="49" charset="77"/>
+              </a:rPr>
+              <a:t>if</a:t>
+            </a:r>
+            <a:r>
+              <a:rPr lang="de-DE" sz="1800" dirty="0">
+                <a:latin typeface="Source Code Pro" panose="020B0509030403020204" pitchFamily="49" charset="77"/>
+              </a:rPr>
+              <a:t> </a:t>
+            </a:r>
+            <a:r>
+              <a:rPr lang="de-DE" sz="1800" dirty="0" err="1">
+                <a:latin typeface="Source Code Pro" panose="020B0509030403020204" pitchFamily="49" charset="77"/>
+              </a:rPr>
+              <a:t>person</a:t>
+            </a:r>
+            <a:r>
+              <a:rPr lang="de-DE" sz="1800" dirty="0">
+                <a:latin typeface="Source Code Pro" panose="020B0509030403020204" pitchFamily="49" charset="77"/>
+              </a:rPr>
+              <a:t> </a:t>
+            </a:r>
+            <a:r>
+              <a:rPr lang="de-DE" sz="1800" dirty="0" err="1">
+                <a:latin typeface="Source Code Pro" panose="020B0509030403020204" pitchFamily="49" charset="77"/>
+              </a:rPr>
+              <a:t>is</a:t>
+            </a:r>
+            <a:r>
+              <a:rPr lang="de-DE" sz="1800" dirty="0">
+                <a:latin typeface="Source Code Pro" panose="020B0509030403020204" pitchFamily="49" charset="77"/>
+              </a:rPr>
+              <a:t> </a:t>
+            </a:r>
+            <a:r>
+              <a:rPr lang="de-DE" sz="1800" dirty="0" err="1">
+                <a:latin typeface="Source Code Pro" panose="020B0509030403020204" pitchFamily="49" charset="77"/>
+              </a:rPr>
+              <a:t>later</a:t>
+            </a:r>
+            <a:r>
+              <a:rPr lang="de-DE" sz="1800" dirty="0">
+                <a:latin typeface="Source Code Pro" panose="020B0509030403020204" pitchFamily="49" charset="77"/>
+              </a:rPr>
+              <a:t> in </a:t>
+            </a:r>
+            <a:r>
+              <a:rPr lang="de-DE" sz="1800" dirty="0" err="1">
+                <a:latin typeface="Source Code Pro" panose="020B0509030403020204" pitchFamily="49" charset="77"/>
+              </a:rPr>
+              <a:t>book</a:t>
+            </a:r>
+            <a:endParaRPr lang="de-DE" sz="1800" dirty="0">
+              <a:latin typeface="Source Code Pro" panose="020B0509030403020204" pitchFamily="49" charset="77"/>
+            </a:endParaRPr>
+          </a:p>
+          <a:p>
+            <a:pPr marL="457200" indent="-457200">
+              <a:buAutoNum type="arabicPlain" startAt="10"/>
+            </a:pPr>
+            <a:r>
+              <a:rPr lang="de-DE" sz="1800" dirty="0">
+                <a:latin typeface="Source Code Pro" panose="020B0509030403020204" pitchFamily="49" charset="77"/>
+              </a:rPr>
+              <a:t>Open </a:t>
+            </a:r>
+            <a:r>
+              <a:rPr lang="de-DE" sz="1800" dirty="0" err="1">
+                <a:latin typeface="Source Code Pro" panose="020B0509030403020204" pitchFamily="49" charset="77"/>
+              </a:rPr>
+              <a:t>to</a:t>
+            </a:r>
+            <a:r>
+              <a:rPr lang="de-DE" sz="1800" dirty="0">
+                <a:latin typeface="Source Code Pro" panose="020B0509030403020204" pitchFamily="49" charset="77"/>
+              </a:rPr>
+              <a:t> </a:t>
+            </a:r>
+            <a:r>
+              <a:rPr lang="de-DE" sz="1800" dirty="0" err="1">
+                <a:latin typeface="Source Code Pro" panose="020B0509030403020204" pitchFamily="49" charset="77"/>
+              </a:rPr>
+              <a:t>middle</a:t>
+            </a:r>
+            <a:r>
+              <a:rPr lang="de-DE" sz="1800" dirty="0">
+                <a:latin typeface="Source Code Pro" panose="020B0509030403020204" pitchFamily="49" charset="77"/>
+              </a:rPr>
+              <a:t> </a:t>
+            </a:r>
+            <a:r>
+              <a:rPr lang="de-DE" sz="1800" dirty="0" err="1">
+                <a:latin typeface="Source Code Pro" panose="020B0509030403020204" pitchFamily="49" charset="77"/>
+              </a:rPr>
+              <a:t>of</a:t>
+            </a:r>
+            <a:r>
+              <a:rPr lang="de-DE" sz="1800" dirty="0">
+                <a:latin typeface="Source Code Pro" panose="020B0509030403020204" pitchFamily="49" charset="77"/>
+              </a:rPr>
+              <a:t> </a:t>
+            </a:r>
+            <a:r>
+              <a:rPr lang="de-DE" sz="1800" dirty="0" err="1">
+                <a:latin typeface="Source Code Pro" panose="020B0509030403020204" pitchFamily="49" charset="77"/>
+              </a:rPr>
+              <a:t>right</a:t>
+            </a:r>
+            <a:r>
+              <a:rPr lang="de-DE" sz="1800" dirty="0">
+                <a:latin typeface="Source Code Pro" panose="020B0509030403020204" pitchFamily="49" charset="77"/>
+              </a:rPr>
+              <a:t> half </a:t>
+            </a:r>
+            <a:r>
+              <a:rPr lang="de-DE" sz="1800" dirty="0" err="1">
+                <a:latin typeface="Source Code Pro" panose="020B0509030403020204" pitchFamily="49" charset="77"/>
+              </a:rPr>
+              <a:t>of</a:t>
+            </a:r>
+            <a:r>
+              <a:rPr lang="de-DE" sz="1800" dirty="0">
+                <a:latin typeface="Source Code Pro" panose="020B0509030403020204" pitchFamily="49" charset="77"/>
+              </a:rPr>
+              <a:t> </a:t>
+            </a:r>
+            <a:r>
+              <a:rPr lang="de-DE" sz="1800" dirty="0" err="1">
+                <a:latin typeface="Source Code Pro" panose="020B0509030403020204" pitchFamily="49" charset="77"/>
+              </a:rPr>
+              <a:t>book</a:t>
+            </a:r>
+            <a:endParaRPr lang="de-DE" sz="1800" dirty="0">
+              <a:latin typeface="Source Code Pro" panose="020B0509030403020204" pitchFamily="49" charset="77"/>
+            </a:endParaRPr>
+          </a:p>
+          <a:p>
+            <a:pPr marL="457200" indent="-457200">
+              <a:buAutoNum type="arabicPlain" startAt="10"/>
+            </a:pPr>
+            <a:r>
+              <a:rPr lang="de-DE" sz="1800" dirty="0">
+                <a:latin typeface="Source Code Pro" panose="020B0509030403020204" pitchFamily="49" charset="77"/>
+              </a:rPr>
+              <a:t>Go back </a:t>
+            </a:r>
+            <a:r>
+              <a:rPr lang="de-DE" sz="1800" dirty="0" err="1">
+                <a:latin typeface="Source Code Pro" panose="020B0509030403020204" pitchFamily="49" charset="77"/>
+              </a:rPr>
+              <a:t>to</a:t>
+            </a:r>
+            <a:r>
+              <a:rPr lang="de-DE" sz="1800" dirty="0">
+                <a:latin typeface="Source Code Pro" panose="020B0509030403020204" pitchFamily="49" charset="77"/>
+              </a:rPr>
+              <a:t> </a:t>
+            </a:r>
+            <a:r>
+              <a:rPr lang="de-DE" sz="1800" dirty="0" err="1">
+                <a:latin typeface="Source Code Pro" panose="020B0509030403020204" pitchFamily="49" charset="77"/>
+              </a:rPr>
+              <a:t>line</a:t>
+            </a:r>
+            <a:r>
+              <a:rPr lang="de-DE" sz="1800" dirty="0">
+                <a:latin typeface="Source Code Pro" panose="020B0509030403020204" pitchFamily="49" charset="77"/>
+              </a:rPr>
+              <a:t> 3</a:t>
+            </a:r>
+          </a:p>
+          <a:p>
+            <a:pPr marL="457200" indent="-457200">
+              <a:buAutoNum type="arabicPlain" startAt="10"/>
+            </a:pPr>
+            <a:r>
+              <a:rPr lang="de-DE" sz="1800" dirty="0">
+                <a:latin typeface="Source Code Pro" panose="020B0509030403020204" pitchFamily="49" charset="77"/>
+              </a:rPr>
+              <a:t>Else</a:t>
+            </a:r>
+          </a:p>
+          <a:p>
+            <a:pPr marL="457200" indent="-457200">
+              <a:buAutoNum type="arabicPlain" startAt="10"/>
+            </a:pPr>
+            <a:r>
+              <a:rPr lang="de-DE" sz="1800" dirty="0">
+                <a:latin typeface="Source Code Pro" panose="020B0509030403020204" pitchFamily="49" charset="77"/>
+              </a:rPr>
+              <a:t>  13 </a:t>
+            </a:r>
+            <a:r>
+              <a:rPr lang="de-DE" sz="1800" dirty="0" err="1">
+                <a:latin typeface="Source Code Pro" panose="020B0509030403020204" pitchFamily="49" charset="77"/>
+              </a:rPr>
+              <a:t>Quit</a:t>
+            </a:r>
+            <a:endParaRPr lang="de-DE" sz="1800" dirty="0">
+              <a:latin typeface="Source Code Pro" panose="020B0509030403020204" pitchFamily="49" charset="77"/>
+            </a:endParaRPr>
+          </a:p>
+        </p:txBody>
+      </p:sp>
+    </p:spTree>
+    <p:extLst>
+      <p:ext uri="{BB962C8B-B14F-4D97-AF65-F5344CB8AC3E}">
+        <p14:creationId xmlns:p14="http://schemas.microsoft.com/office/powerpoint/2010/main" val="2347916767"/>
+      </p:ext>
+    </p:extLst>
+  </p:cSld>
+  <p:clrMapOvr>
+    <a:masterClrMapping/>
+  </p:clrMapOvr>
+</p:sld>
+</file>
+
 <file path=ppt/tags/tag1.xml><?xml version="1.0" encoding="utf-8"?>
 <p:tagLst xmlns:a="http://schemas.openxmlformats.org/drawingml/2006/main" xmlns:r="http://schemas.openxmlformats.org/officeDocument/2006/relationships" xmlns:p="http://schemas.openxmlformats.org/presentationml/2006/main">
   <p:tag name="THINKCELLUNDODONOTDELETE" val="0"/>
@@ -6296,6 +7055,12 @@
 </file>
 
 <file path=ppt/tags/tag6.xml><?xml version="1.0" encoding="utf-8"?>
+<p:tagLst xmlns:a="http://schemas.openxmlformats.org/drawingml/2006/main" xmlns:r="http://schemas.openxmlformats.org/officeDocument/2006/relationships" xmlns:p="http://schemas.openxmlformats.org/presentationml/2006/main">
+  <p:tag name="THINKCELLSHAPEDONOTDELETE" val="thinkcellActiveDocDoNotDelete"/>
+</p:tagLst>
+</file>
+
+<file path=ppt/tags/tag7.xml><?xml version="1.0" encoding="utf-8"?>
 <p:tagLst xmlns:a="http://schemas.openxmlformats.org/drawingml/2006/main" xmlns:r="http://schemas.openxmlformats.org/officeDocument/2006/relationships" xmlns:p="http://schemas.openxmlformats.org/presentationml/2006/main">
   <p:tag name="THINKCELLSHAPEDONOTDELETE" val="thinkcellActiveDocDoNotDelete"/>
 </p:tagLst>

--- a/semester1_technology_skills/04_python1/slides/DigitalSkills_01_04_Python1_220221_v2.pptx
+++ b/semester1_technology_skills/04_python1/slides/DigitalSkills_01_04_Python1_220221_v2.pptx
@@ -5,19 +5,22 @@
     <p:sldMasterId id="2147483648" r:id="rId1"/>
   </p:sldMasterIdLst>
   <p:notesMasterIdLst>
-    <p:notesMasterId r:id="rId7"/>
+    <p:notesMasterId r:id="rId10"/>
   </p:notesMasterIdLst>
   <p:sldIdLst>
     <p:sldId id="428" r:id="rId2"/>
-    <p:sldId id="432" r:id="rId3"/>
-    <p:sldId id="434" r:id="rId4"/>
-    <p:sldId id="433" r:id="rId5"/>
-    <p:sldId id="435" r:id="rId6"/>
+    <p:sldId id="436" r:id="rId3"/>
+    <p:sldId id="437" r:id="rId4"/>
+    <p:sldId id="438" r:id="rId5"/>
+    <p:sldId id="432" r:id="rId6"/>
+    <p:sldId id="434" r:id="rId7"/>
+    <p:sldId id="433" r:id="rId8"/>
+    <p:sldId id="435" r:id="rId9"/>
   </p:sldIdLst>
   <p:sldSz cx="12192000" cy="6858000"/>
   <p:notesSz cx="6858000" cy="9144000"/>
   <p:custDataLst>
-    <p:tags r:id="rId8"/>
+    <p:tags r:id="rId11"/>
   </p:custDataLst>
   <p:defaultTextStyle>
     <a:defPPr>
@@ -215,7 +218,7 @@
           <a:p>
             <a:fld id="{DE7E3AB8-876E-1542-BA35-CC1AAFD17F71}" type="datetimeFigureOut">
               <a:rPr lang="de-DE" smtClean="0"/>
-              <a:t>23.02.22</a:t>
+              <a:t>28.06.22</a:t>
             </a:fld>
             <a:endParaRPr lang="de-DE"/>
           </a:p>
@@ -4534,7 +4537,7 @@
           </p:cNvGraphicFramePr>
           <p:nvPr userDrawn="1">
             <p:custDataLst>
-              <p:tags r:id="rId12"/>
+              <p:tags r:id="rId11"/>
             </p:custDataLst>
             <p:extLst>
               <p:ext uri="{D42A27DB-BD31-4B8C-83A1-F6EECF244321}">
@@ -4551,12 +4554,12 @@
           <a:graphicData uri="http://schemas.openxmlformats.org/presentationml/2006/ole">
             <mc:AlternateContent xmlns:mc="http://schemas.openxmlformats.org/markup-compatibility/2006">
               <mc:Choice xmlns:v="urn:schemas-microsoft-com:vml" Requires="v">
-                <p:oleObj spid="_x0000_s1082" name="think-cell Slide" r:id="rId13" imgW="7772400" imgH="10058400" progId="TCLayout.ActiveDocument.1">
+                <p:oleObj name="think-cell Slide" r:id="rId12" imgW="7772400" imgH="10058400" progId="TCLayout.ActiveDocument.1">
                   <p:embed/>
                 </p:oleObj>
               </mc:Choice>
               <mc:Fallback>
-                <p:oleObj name="think-cell Slide" r:id="rId13" imgW="7772400" imgH="10058400" progId="TCLayout.ActiveDocument.1">
+                <p:oleObj name="think-cell Slide" r:id="rId12" imgW="7772400" imgH="10058400" progId="TCLayout.ActiveDocument.1">
                   <p:embed/>
                   <p:pic>
                     <p:nvPicPr>
@@ -4565,7 +4568,7 @@
                       <p:nvPr/>
                     </p:nvPicPr>
                     <p:blipFill>
-                      <a:blip r:embed="rId14"/>
+                      <a:blip r:embed="rId13"/>
                       <a:stretch>
                         <a:fillRect/>
                       </a:stretch>
@@ -4732,7 +4735,7 @@
           <a:p>
             <a:fld id="{8C445101-65EE-0048-9A14-29E3837D9AD2}" type="datetimeFigureOut">
               <a:rPr lang="de-DE" smtClean="0"/>
-              <a:t>23.02.22</a:t>
+              <a:t>28.06.22</a:t>
             </a:fld>
             <a:endParaRPr lang="de-DE"/>
           </a:p>
@@ -5161,7 +5164,7 @@
           </p:cNvGraphicFramePr>
           <p:nvPr>
             <p:custDataLst>
-              <p:tags r:id="rId2"/>
+              <p:tags r:id="rId1"/>
             </p:custDataLst>
             <p:extLst>
               <p:ext uri="{D42A27DB-BD31-4B8C-83A1-F6EECF244321}">
@@ -5178,12 +5181,12 @@
           <a:graphicData uri="http://schemas.openxmlformats.org/presentationml/2006/ole">
             <mc:AlternateContent xmlns:mc="http://schemas.openxmlformats.org/markup-compatibility/2006">
               <mc:Choice xmlns:v="urn:schemas-microsoft-com:vml" Requires="v">
-                <p:oleObj spid="_x0000_s2056" name="think-cell Slide" r:id="rId4" imgW="7772400" imgH="10058400" progId="TCLayout.ActiveDocument.1">
+                <p:oleObj name="think-cell Slide" r:id="rId3" imgW="7772400" imgH="10058400" progId="TCLayout.ActiveDocument.1">
                   <p:embed/>
                 </p:oleObj>
               </mc:Choice>
               <mc:Fallback>
-                <p:oleObj name="think-cell Slide" r:id="rId4" imgW="7772400" imgH="10058400" progId="TCLayout.ActiveDocument.1">
+                <p:oleObj name="think-cell Slide" r:id="rId3" imgW="7772400" imgH="10058400" progId="TCLayout.ActiveDocument.1">
                   <p:embed/>
                   <p:pic>
                     <p:nvPicPr>
@@ -5192,7 +5195,7 @@
                       <p:nvPr/>
                     </p:nvPicPr>
                     <p:blipFill>
-                      <a:blip r:embed="rId5"/>
+                      <a:blip r:embed="rId4"/>
                       <a:stretch>
                         <a:fillRect/>
                       </a:stretch>
@@ -5327,290 +5330,109 @@
           <a:chExt cx="0" cy="0"/>
         </a:xfrm>
       </p:grpSpPr>
-      <p:graphicFrame>
-        <p:nvGraphicFramePr>
-          <p:cNvPr id="4" name="Object 3" hidden="1">
-            <a:extLst>
-              <a:ext uri="{FF2B5EF4-FFF2-40B4-BE49-F238E27FC236}">
-                <a16:creationId xmlns:a16="http://schemas.microsoft.com/office/drawing/2014/main" id="{164E5AEB-7C96-324B-9CE8-3536DA5F9082}"/>
-              </a:ext>
-            </a:extLst>
-          </p:cNvPr>
-          <p:cNvGraphicFramePr>
-            <a:graphicFrameLocks noChangeAspect="1"/>
-          </p:cNvGraphicFramePr>
-          <p:nvPr>
-            <p:custDataLst>
-              <p:tags r:id="rId2"/>
-            </p:custDataLst>
-            <p:extLst>
-              <p:ext uri="{D42A27DB-BD31-4B8C-83A1-F6EECF244321}">
-                <p14:modId xmlns:p14="http://schemas.microsoft.com/office/powerpoint/2010/main" val="821744614"/>
-              </p:ext>
-            </p:extLst>
-          </p:nvPr>
-        </p:nvGraphicFramePr>
-        <p:xfrm>
-          <a:off x="1588" y="1588"/>
-          <a:ext cx="1227" cy="1588"/>
-        </p:xfrm>
-        <a:graphic>
-          <a:graphicData uri="http://schemas.openxmlformats.org/presentationml/2006/ole">
-            <mc:AlternateContent xmlns:mc="http://schemas.openxmlformats.org/markup-compatibility/2006">
-              <mc:Choice xmlns:v="urn:schemas-microsoft-com:vml" Requires="v">
-                <p:oleObj spid="_x0000_s3080" name="think-cell Slide" r:id="rId4" imgW="7772400" imgH="10058400" progId="TCLayout.ActiveDocument.1">
-                  <p:embed/>
-                </p:oleObj>
-              </mc:Choice>
-              <mc:Fallback>
-                <p:oleObj name="think-cell Slide" r:id="rId4" imgW="7772400" imgH="10058400" progId="TCLayout.ActiveDocument.1">
-                  <p:embed/>
-                  <p:pic>
-                    <p:nvPicPr>
-                      <p:cNvPr id="0" name=""/>
-                      <p:cNvPicPr/>
-                      <p:nvPr/>
-                    </p:nvPicPr>
-                    <p:blipFill>
-                      <a:blip r:embed="rId5"/>
-                      <a:stretch>
-                        <a:fillRect/>
-                      </a:stretch>
-                    </p:blipFill>
-                    <p:spPr>
-                      <a:xfrm>
-                        <a:off x="1588" y="1588"/>
-                        <a:ext cx="1227" cy="1588"/>
-                      </a:xfrm>
-                      <a:prstGeom prst="rect">
-                        <a:avLst/>
-                      </a:prstGeom>
-                    </p:spPr>
-                  </p:pic>
-                </p:oleObj>
-              </mc:Fallback>
-            </mc:AlternateContent>
-          </a:graphicData>
-        </a:graphic>
-      </p:graphicFrame>
       <p:sp>
         <p:nvSpPr>
-          <p:cNvPr id="5" name="TextBox 4">
-            <a:extLst>
-              <a:ext uri="{FF2B5EF4-FFF2-40B4-BE49-F238E27FC236}">
-                <a16:creationId xmlns:a16="http://schemas.microsoft.com/office/drawing/2014/main" id="{283E92A9-571C-1E41-AC97-A914C3DE9992}"/>
-              </a:ext>
-            </a:extLst>
-          </p:cNvPr>
-          <p:cNvSpPr txBox="1"/>
-          <p:nvPr/>
+          <p:cNvPr id="2" name="Title 1">
+            <a:extLst>
+              <a:ext uri="{FF2B5EF4-FFF2-40B4-BE49-F238E27FC236}">
+                <a16:creationId xmlns:a16="http://schemas.microsoft.com/office/drawing/2014/main" id="{5981AAB3-E9FD-3268-B2C4-CAF7C99F9D49}"/>
+              </a:ext>
+            </a:extLst>
+          </p:cNvPr>
+          <p:cNvSpPr>
+            <a:spLocks noGrp="1"/>
+          </p:cNvSpPr>
+          <p:nvPr>
+            <p:ph type="title"/>
+          </p:nvPr>
         </p:nvSpPr>
         <p:spPr>
           <a:xfrm>
-            <a:off x="228785" y="4017540"/>
-            <a:ext cx="1262269" cy="369332"/>
-          </a:xfrm>
-          <a:prstGeom prst="rect">
-            <a:avLst/>
-          </a:prstGeom>
-          <a:noFill/>
+            <a:off x="517748" y="394314"/>
+            <a:ext cx="10515600" cy="410729"/>
+          </a:xfrm>
         </p:spPr>
         <p:txBody>
-          <a:bodyPr wrap="none" rtlCol="0">
-            <a:spAutoFit/>
-          </a:bodyPr>
+          <a:bodyPr anchor="t"/>
           <a:lstStyle/>
           <a:p>
             <a:r>
-              <a:rPr lang="de-DE" dirty="0">
-                <a:latin typeface="Lato Light" panose="020F0302020204030203" pitchFamily="34" charset="77"/>
-              </a:rPr>
-              <a:t>Parameter</a:t>
+              <a:rPr lang="de-DE" dirty="0"/>
+              <a:t>Elemente einer Programmiersprache</a:t>
+            </a:r>
+            <a:br>
+              <a:rPr lang="de-DE" dirty="0"/>
+            </a:br>
+            <a:r>
+              <a:rPr lang="de-DE" dirty="0"/>
+              <a:t>In Scratch und Python</a:t>
             </a:r>
           </a:p>
         </p:txBody>
       </p:sp>
-      <p:cxnSp>
-        <p:nvCxnSpPr>
-          <p:cNvPr id="7" name="Straight Arrow Connector 6">
-            <a:extLst>
-              <a:ext uri="{FF2B5EF4-FFF2-40B4-BE49-F238E27FC236}">
-                <a16:creationId xmlns:a16="http://schemas.microsoft.com/office/drawing/2014/main" id="{7765652A-DA63-784A-997C-8E985134B485}"/>
-              </a:ext>
-            </a:extLst>
-          </p:cNvPr>
-          <p:cNvCxnSpPr>
-            <a:cxnSpLocks/>
-          </p:cNvCxnSpPr>
-          <p:nvPr/>
-        </p:nvCxnSpPr>
-        <p:spPr>
-          <a:xfrm>
-            <a:off x="1491054" y="4215653"/>
-            <a:ext cx="605117" cy="0"/>
-          </a:xfrm>
-          <a:prstGeom prst="straightConnector1">
-            <a:avLst/>
-          </a:prstGeom>
-          <a:ln>
-            <a:solidFill>
-              <a:schemeClr val="tx1"/>
-            </a:solidFill>
-            <a:tailEnd type="triangle"/>
-          </a:ln>
-        </p:spPr>
-        <p:style>
-          <a:lnRef idx="1">
-            <a:schemeClr val="accent1"/>
-          </a:lnRef>
-          <a:fillRef idx="0">
-            <a:schemeClr val="accent1"/>
-          </a:fillRef>
-          <a:effectRef idx="0">
-            <a:schemeClr val="accent1"/>
-          </a:effectRef>
-          <a:fontRef idx="minor">
-            <a:schemeClr val="tx1"/>
-          </a:fontRef>
-        </p:style>
-      </p:cxnSp>
       <p:sp>
         <p:nvSpPr>
-          <p:cNvPr id="10" name="Rectangle 9">
-            <a:extLst>
-              <a:ext uri="{FF2B5EF4-FFF2-40B4-BE49-F238E27FC236}">
-                <a16:creationId xmlns:a16="http://schemas.microsoft.com/office/drawing/2014/main" id="{F5EE3D8C-1695-A44C-B43A-73D95697EF1D}"/>
-              </a:ext>
-            </a:extLst>
-          </p:cNvPr>
-          <p:cNvSpPr/>
-          <p:nvPr/>
+          <p:cNvPr id="3" name="Content Placeholder 2">
+            <a:extLst>
+              <a:ext uri="{FF2B5EF4-FFF2-40B4-BE49-F238E27FC236}">
+                <a16:creationId xmlns:a16="http://schemas.microsoft.com/office/drawing/2014/main" id="{79A88119-FF1D-B8EE-CA7D-1155D921B385}"/>
+              </a:ext>
+            </a:extLst>
+          </p:cNvPr>
+          <p:cNvSpPr>
+            <a:spLocks noGrp="1"/>
+          </p:cNvSpPr>
+          <p:nvPr>
+            <p:ph idx="1"/>
+          </p:nvPr>
         </p:nvSpPr>
         <p:spPr>
           <a:xfrm>
-            <a:off x="2151530" y="3429000"/>
-            <a:ext cx="1949824" cy="1573305"/>
-          </a:xfrm>
-          <a:prstGeom prst="rect">
-            <a:avLst/>
-          </a:prstGeom>
-          <a:noFill/>
-          <a:ln>
-            <a:solidFill>
-              <a:schemeClr val="tx1"/>
-            </a:solidFill>
-          </a:ln>
-        </p:spPr>
-        <p:style>
-          <a:lnRef idx="2">
-            <a:schemeClr val="accent1">
-              <a:shade val="50000"/>
-            </a:schemeClr>
-          </a:lnRef>
-          <a:fillRef idx="1">
-            <a:schemeClr val="accent1"/>
-          </a:fillRef>
-          <a:effectRef idx="0">
-            <a:schemeClr val="accent1"/>
-          </a:effectRef>
-          <a:fontRef idx="minor">
-            <a:schemeClr val="lt1"/>
-          </a:fontRef>
-        </p:style>
+            <a:off x="517748" y="1855694"/>
+            <a:ext cx="5578252" cy="3606828"/>
+          </a:xfrm>
+        </p:spPr>
         <p:txBody>
-          <a:bodyPr rtlCol="0" anchor="ctr"/>
+          <a:bodyPr/>
           <a:lstStyle/>
           <a:p>
-            <a:pPr algn="ctr"/>
-            <a:r>
-              <a:rPr lang="de-DE" dirty="0">
-                <a:solidFill>
-                  <a:schemeClr val="tx1"/>
-                </a:solidFill>
-                <a:latin typeface="Lato Light" panose="020F0302020204030203" pitchFamily="34" charset="77"/>
-              </a:rPr>
-              <a:t>Funktionen</a:t>
-            </a:r>
-          </a:p>
-        </p:txBody>
-      </p:sp>
-      <p:cxnSp>
-        <p:nvCxnSpPr>
-          <p:cNvPr id="11" name="Straight Arrow Connector 10">
-            <a:extLst>
-              <a:ext uri="{FF2B5EF4-FFF2-40B4-BE49-F238E27FC236}">
-                <a16:creationId xmlns:a16="http://schemas.microsoft.com/office/drawing/2014/main" id="{C03D0BD3-B00F-8643-81AB-292CB0110BAB}"/>
-              </a:ext>
-            </a:extLst>
-          </p:cNvPr>
-          <p:cNvCxnSpPr>
-            <a:cxnSpLocks/>
-          </p:cNvCxnSpPr>
-          <p:nvPr/>
-        </p:nvCxnSpPr>
-        <p:spPr>
-          <a:xfrm>
-            <a:off x="4173073" y="4202206"/>
-            <a:ext cx="605117" cy="0"/>
-          </a:xfrm>
-          <a:prstGeom prst="straightConnector1">
-            <a:avLst/>
-          </a:prstGeom>
-          <a:ln>
-            <a:solidFill>
-              <a:schemeClr val="tx1"/>
-            </a:solidFill>
-            <a:tailEnd type="triangle"/>
-          </a:ln>
-        </p:spPr>
-        <p:style>
-          <a:lnRef idx="1">
-            <a:schemeClr val="accent1"/>
-          </a:lnRef>
-          <a:fillRef idx="0">
-            <a:schemeClr val="accent1"/>
-          </a:fillRef>
-          <a:effectRef idx="0">
-            <a:schemeClr val="accent1"/>
-          </a:effectRef>
-          <a:fontRef idx="minor">
-            <a:schemeClr val="tx1"/>
-          </a:fontRef>
-        </p:style>
-      </p:cxnSp>
-      <p:sp>
-        <p:nvSpPr>
-          <p:cNvPr id="12" name="TextBox 11">
-            <a:extLst>
-              <a:ext uri="{FF2B5EF4-FFF2-40B4-BE49-F238E27FC236}">
-                <a16:creationId xmlns:a16="http://schemas.microsoft.com/office/drawing/2014/main" id="{A6DE3F6B-2D50-0140-BAF4-CE45CC5C0A2C}"/>
-              </a:ext>
-            </a:extLst>
-          </p:cNvPr>
-          <p:cNvSpPr txBox="1"/>
-          <p:nvPr/>
-        </p:nvSpPr>
-        <p:spPr>
-          <a:xfrm>
-            <a:off x="4823015" y="4017540"/>
-            <a:ext cx="1032655" cy="369332"/>
-          </a:xfrm>
-          <a:prstGeom prst="rect">
-            <a:avLst/>
-          </a:prstGeom>
-          <a:noFill/>
-        </p:spPr>
-        <p:txBody>
-          <a:bodyPr wrap="none" rtlCol="0">
-            <a:spAutoFit/>
-          </a:bodyPr>
-          <a:lstStyle/>
-          <a:p>
-            <a:r>
-              <a:rPr lang="de-DE" dirty="0">
-                <a:latin typeface="Lato Light" panose="020F0302020204030203" pitchFamily="34" charset="77"/>
-              </a:rPr>
-              <a:t>Ausgabe</a:t>
+            <a:r>
+              <a:rPr lang="de-DE" dirty="0"/>
+              <a:t>Funktionen (mit Parametern und Rückgabewerten)</a:t>
+            </a:r>
+          </a:p>
+          <a:p>
+            <a:r>
+              <a:rPr lang="de-DE" dirty="0"/>
+              <a:t>Verzweigungen</a:t>
+            </a:r>
+          </a:p>
+          <a:p>
+            <a:r>
+              <a:rPr lang="de-DE" dirty="0" err="1"/>
+              <a:t>Boolsche</a:t>
+            </a:r>
+            <a:r>
+              <a:rPr lang="de-DE" dirty="0"/>
+              <a:t> Ausdrücke</a:t>
+            </a:r>
+          </a:p>
+          <a:p>
+            <a:r>
+              <a:rPr lang="de-DE" dirty="0"/>
+              <a:t>Schleifen</a:t>
+            </a:r>
+          </a:p>
+          <a:p>
+            <a:r>
+              <a:rPr lang="de-DE" dirty="0"/>
+              <a:t>Variablen</a:t>
+            </a:r>
+          </a:p>
+          <a:p>
+            <a:r>
+              <a:rPr lang="de-DE" dirty="0"/>
+              <a:t>...</a:t>
             </a:r>
           </a:p>
         </p:txBody>
@@ -5618,7 +5440,7 @@
     </p:spTree>
     <p:extLst>
       <p:ext uri="{BB962C8B-B14F-4D97-AF65-F5344CB8AC3E}">
-        <p14:creationId xmlns:p14="http://schemas.microsoft.com/office/powerpoint/2010/main" val="4217063870"/>
+        <p14:creationId xmlns:p14="http://schemas.microsoft.com/office/powerpoint/2010/main" val="2660771695"/>
       </p:ext>
     </p:extLst>
   </p:cSld>
@@ -5645,299 +5467,276 @@
           <a:chExt cx="0" cy="0"/>
         </a:xfrm>
       </p:grpSpPr>
-      <p:graphicFrame>
-        <p:nvGraphicFramePr>
-          <p:cNvPr id="4" name="Object 3" hidden="1">
-            <a:extLst>
-              <a:ext uri="{FF2B5EF4-FFF2-40B4-BE49-F238E27FC236}">
-                <a16:creationId xmlns:a16="http://schemas.microsoft.com/office/drawing/2014/main" id="{164E5AEB-7C96-324B-9CE8-3536DA5F9082}"/>
-              </a:ext>
-            </a:extLst>
-          </p:cNvPr>
-          <p:cNvGraphicFramePr>
-            <a:graphicFrameLocks noChangeAspect="1"/>
-          </p:cNvGraphicFramePr>
-          <p:nvPr>
-            <p:custDataLst>
-              <p:tags r:id="rId2"/>
-            </p:custDataLst>
-          </p:nvPr>
-        </p:nvGraphicFramePr>
-        <p:xfrm>
-          <a:off x="1588" y="1588"/>
-          <a:ext cx="1227" cy="1588"/>
-        </p:xfrm>
-        <a:graphic>
-          <a:graphicData uri="http://schemas.openxmlformats.org/presentationml/2006/ole">
-            <mc:AlternateContent xmlns:mc="http://schemas.openxmlformats.org/markup-compatibility/2006">
-              <mc:Choice xmlns:v="urn:schemas-microsoft-com:vml" Requires="v">
-                <p:oleObj spid="_x0000_s5123" name="think-cell Slide" r:id="rId4" imgW="7772400" imgH="10058400" progId="TCLayout.ActiveDocument.1">
-                  <p:embed/>
-                </p:oleObj>
-              </mc:Choice>
-              <mc:Fallback>
-                <p:oleObj name="think-cell Slide" r:id="rId4" imgW="7772400" imgH="10058400" progId="TCLayout.ActiveDocument.1">
-                  <p:embed/>
-                  <p:pic>
-                    <p:nvPicPr>
-                      <p:cNvPr id="4" name="Object 3" hidden="1">
-                        <a:extLst>
-                          <a:ext uri="{FF2B5EF4-FFF2-40B4-BE49-F238E27FC236}">
-                            <a16:creationId xmlns:a16="http://schemas.microsoft.com/office/drawing/2014/main" id="{164E5AEB-7C96-324B-9CE8-3536DA5F9082}"/>
-                          </a:ext>
-                        </a:extLst>
-                      </p:cNvPr>
-                      <p:cNvPicPr/>
-                      <p:nvPr/>
-                    </p:nvPicPr>
-                    <p:blipFill>
-                      <a:blip r:embed="rId5"/>
-                      <a:stretch>
-                        <a:fillRect/>
-                      </a:stretch>
-                    </p:blipFill>
-                    <p:spPr>
-                      <a:xfrm>
-                        <a:off x="1588" y="1588"/>
-                        <a:ext cx="1227" cy="1588"/>
-                      </a:xfrm>
-                      <a:prstGeom prst="rect">
-                        <a:avLst/>
-                      </a:prstGeom>
-                    </p:spPr>
-                  </p:pic>
-                </p:oleObj>
-              </mc:Fallback>
-            </mc:AlternateContent>
-          </a:graphicData>
-        </a:graphic>
-      </p:graphicFrame>
       <p:sp>
         <p:nvSpPr>
-          <p:cNvPr id="5" name="TextBox 4">
-            <a:extLst>
-              <a:ext uri="{FF2B5EF4-FFF2-40B4-BE49-F238E27FC236}">
-                <a16:creationId xmlns:a16="http://schemas.microsoft.com/office/drawing/2014/main" id="{283E92A9-571C-1E41-AC97-A914C3DE9992}"/>
-              </a:ext>
-            </a:extLst>
-          </p:cNvPr>
-          <p:cNvSpPr txBox="1"/>
-          <p:nvPr/>
+          <p:cNvPr id="2" name="Title 1">
+            <a:extLst>
+              <a:ext uri="{FF2B5EF4-FFF2-40B4-BE49-F238E27FC236}">
+                <a16:creationId xmlns:a16="http://schemas.microsoft.com/office/drawing/2014/main" id="{5981AAB3-E9FD-3268-B2C4-CAF7C99F9D49}"/>
+              </a:ext>
+            </a:extLst>
+          </p:cNvPr>
+          <p:cNvSpPr>
+            <a:spLocks noGrp="1"/>
+          </p:cNvSpPr>
+          <p:nvPr>
+            <p:ph type="title"/>
+          </p:nvPr>
         </p:nvSpPr>
         <p:spPr>
           <a:xfrm>
-            <a:off x="228785" y="4017540"/>
-            <a:ext cx="1262269" cy="369332"/>
-          </a:xfrm>
-          <a:prstGeom prst="rect">
-            <a:avLst/>
-          </a:prstGeom>
-          <a:noFill/>
+            <a:off x="517748" y="394314"/>
+            <a:ext cx="10515600" cy="410729"/>
+          </a:xfrm>
         </p:spPr>
         <p:txBody>
-          <a:bodyPr wrap="none" rtlCol="0">
-            <a:spAutoFit/>
-          </a:bodyPr>
+          <a:bodyPr anchor="t"/>
           <a:lstStyle/>
           <a:p>
             <a:r>
-              <a:rPr lang="de-DE" dirty="0">
-                <a:latin typeface="Lato Light" panose="020F0302020204030203" pitchFamily="34" charset="77"/>
-              </a:rPr>
-              <a:t>Parameter</a:t>
+              <a:rPr lang="de-DE" dirty="0"/>
+              <a:t>Qualität von Quellcode</a:t>
             </a:r>
           </a:p>
         </p:txBody>
       </p:sp>
-      <p:cxnSp>
-        <p:nvCxnSpPr>
-          <p:cNvPr id="7" name="Straight Arrow Connector 6">
-            <a:extLst>
-              <a:ext uri="{FF2B5EF4-FFF2-40B4-BE49-F238E27FC236}">
-                <a16:creationId xmlns:a16="http://schemas.microsoft.com/office/drawing/2014/main" id="{7765652A-DA63-784A-997C-8E985134B485}"/>
-              </a:ext>
-            </a:extLst>
-          </p:cNvPr>
-          <p:cNvCxnSpPr>
-            <a:cxnSpLocks/>
-          </p:cNvCxnSpPr>
-          <p:nvPr/>
-        </p:nvCxnSpPr>
-        <p:spPr>
-          <a:xfrm>
-            <a:off x="1491054" y="4215653"/>
-            <a:ext cx="605117" cy="0"/>
-          </a:xfrm>
-          <a:prstGeom prst="straightConnector1">
-            <a:avLst/>
-          </a:prstGeom>
-          <a:ln>
-            <a:solidFill>
-              <a:schemeClr val="tx1"/>
-            </a:solidFill>
-            <a:tailEnd type="triangle"/>
-          </a:ln>
-        </p:spPr>
-        <p:style>
-          <a:lnRef idx="1">
-            <a:schemeClr val="accent1"/>
-          </a:lnRef>
-          <a:fillRef idx="0">
-            <a:schemeClr val="accent1"/>
-          </a:fillRef>
-          <a:effectRef idx="0">
-            <a:schemeClr val="accent1"/>
-          </a:effectRef>
-          <a:fontRef idx="minor">
-            <a:schemeClr val="tx1"/>
-          </a:fontRef>
-        </p:style>
-      </p:cxnSp>
       <p:sp>
         <p:nvSpPr>
-          <p:cNvPr id="10" name="Rectangle 9">
-            <a:extLst>
-              <a:ext uri="{FF2B5EF4-FFF2-40B4-BE49-F238E27FC236}">
-                <a16:creationId xmlns:a16="http://schemas.microsoft.com/office/drawing/2014/main" id="{F5EE3D8C-1695-A44C-B43A-73D95697EF1D}"/>
-              </a:ext>
-            </a:extLst>
-          </p:cNvPr>
-          <p:cNvSpPr/>
-          <p:nvPr/>
+          <p:cNvPr id="3" name="Content Placeholder 2">
+            <a:extLst>
+              <a:ext uri="{FF2B5EF4-FFF2-40B4-BE49-F238E27FC236}">
+                <a16:creationId xmlns:a16="http://schemas.microsoft.com/office/drawing/2014/main" id="{79A88119-FF1D-B8EE-CA7D-1155D921B385}"/>
+              </a:ext>
+            </a:extLst>
+          </p:cNvPr>
+          <p:cNvSpPr>
+            <a:spLocks noGrp="1"/>
+          </p:cNvSpPr>
+          <p:nvPr>
+            <p:ph idx="1"/>
+          </p:nvPr>
         </p:nvSpPr>
         <p:spPr>
           <a:xfrm>
-            <a:off x="2151530" y="3429000"/>
-            <a:ext cx="1949824" cy="1573305"/>
-          </a:xfrm>
-          <a:prstGeom prst="rect">
-            <a:avLst/>
-          </a:prstGeom>
-          <a:noFill/>
-          <a:ln>
-            <a:solidFill>
-              <a:schemeClr val="tx1"/>
-            </a:solidFill>
-          </a:ln>
-        </p:spPr>
-        <p:style>
-          <a:lnRef idx="2">
-            <a:schemeClr val="accent1">
-              <a:shade val="50000"/>
-            </a:schemeClr>
-          </a:lnRef>
-          <a:fillRef idx="1">
-            <a:schemeClr val="accent1"/>
-          </a:fillRef>
-          <a:effectRef idx="0">
-            <a:schemeClr val="accent1"/>
-          </a:effectRef>
-          <a:fontRef idx="minor">
-            <a:schemeClr val="lt1"/>
-          </a:fontRef>
-        </p:style>
+            <a:off x="517748" y="1855694"/>
+            <a:ext cx="5578252" cy="3606828"/>
+          </a:xfrm>
+        </p:spPr>
         <p:txBody>
-          <a:bodyPr rtlCol="0" anchor="ctr"/>
+          <a:bodyPr/>
           <a:lstStyle/>
           <a:p>
-            <a:pPr algn="ctr"/>
-            <a:r>
-              <a:rPr lang="de-DE" dirty="0">
-                <a:solidFill>
-                  <a:schemeClr val="tx1"/>
-                </a:solidFill>
-                <a:latin typeface="Lato Light" panose="020F0302020204030203" pitchFamily="34" charset="77"/>
-              </a:rPr>
-              <a:t>Funktionen</a:t>
-            </a:r>
-          </a:p>
-        </p:txBody>
-      </p:sp>
-      <p:cxnSp>
-        <p:nvCxnSpPr>
-          <p:cNvPr id="11" name="Straight Arrow Connector 10">
-            <a:extLst>
-              <a:ext uri="{FF2B5EF4-FFF2-40B4-BE49-F238E27FC236}">
-                <a16:creationId xmlns:a16="http://schemas.microsoft.com/office/drawing/2014/main" id="{C03D0BD3-B00F-8643-81AB-292CB0110BAB}"/>
-              </a:ext>
-            </a:extLst>
-          </p:cNvPr>
-          <p:cNvCxnSpPr>
-            <a:cxnSpLocks/>
-          </p:cNvCxnSpPr>
-          <p:nvPr/>
-        </p:nvCxnSpPr>
-        <p:spPr>
-          <a:xfrm>
-            <a:off x="4173073" y="4202206"/>
-            <a:ext cx="605117" cy="0"/>
-          </a:xfrm>
-          <a:prstGeom prst="straightConnector1">
-            <a:avLst/>
-          </a:prstGeom>
-          <a:ln>
-            <a:solidFill>
-              <a:schemeClr val="tx1"/>
-            </a:solidFill>
-            <a:tailEnd type="triangle"/>
-          </a:ln>
-        </p:spPr>
-        <p:style>
-          <a:lnRef idx="1">
-            <a:schemeClr val="accent1"/>
-          </a:lnRef>
-          <a:fillRef idx="0">
-            <a:schemeClr val="accent1"/>
-          </a:fillRef>
-          <a:effectRef idx="0">
-            <a:schemeClr val="accent1"/>
-          </a:effectRef>
-          <a:fontRef idx="minor">
-            <a:schemeClr val="tx1"/>
-          </a:fontRef>
-        </p:style>
-      </p:cxnSp>
-      <p:sp>
-        <p:nvSpPr>
-          <p:cNvPr id="12" name="TextBox 11">
-            <a:extLst>
-              <a:ext uri="{FF2B5EF4-FFF2-40B4-BE49-F238E27FC236}">
-                <a16:creationId xmlns:a16="http://schemas.microsoft.com/office/drawing/2014/main" id="{A6DE3F6B-2D50-0140-BAF4-CE45CC5C0A2C}"/>
-              </a:ext>
-            </a:extLst>
-          </p:cNvPr>
-          <p:cNvSpPr txBox="1"/>
-          <p:nvPr/>
-        </p:nvSpPr>
-        <p:spPr>
-          <a:xfrm>
-            <a:off x="4823015" y="4017540"/>
-            <a:ext cx="1032655" cy="369332"/>
-          </a:xfrm>
-          <a:prstGeom prst="rect">
-            <a:avLst/>
-          </a:prstGeom>
-          <a:noFill/>
-        </p:spPr>
-        <p:txBody>
-          <a:bodyPr wrap="none" rtlCol="0">
-            <a:spAutoFit/>
-          </a:bodyPr>
-          <a:lstStyle/>
-          <a:p>
-            <a:r>
-              <a:rPr lang="de-DE" dirty="0">
-                <a:latin typeface="Lato Light" panose="020F0302020204030203" pitchFamily="34" charset="77"/>
-              </a:rPr>
-              <a:t>Ausgabe</a:t>
-            </a:r>
+            <a:r>
+              <a:rPr lang="en-GB" b="1" dirty="0" err="1"/>
+              <a:t>Korrektheit</a:t>
+            </a:r>
+            <a:r>
+              <a:rPr lang="en-GB" dirty="0"/>
+              <a:t>, </a:t>
+            </a:r>
+            <a:r>
+              <a:rPr lang="en-GB" dirty="0" err="1"/>
+              <a:t>d.h.</a:t>
+            </a:r>
+            <a:r>
+              <a:rPr lang="en-GB" dirty="0"/>
+              <a:t> </a:t>
+            </a:r>
+            <a:r>
+              <a:rPr lang="en-GB" dirty="0" err="1"/>
+              <a:t>ob</a:t>
+            </a:r>
+            <a:r>
+              <a:rPr lang="en-GB" dirty="0"/>
+              <a:t> der Code die </a:t>
+            </a:r>
+            <a:r>
+              <a:rPr lang="en-GB" dirty="0" err="1"/>
+              <a:t>korrekte</a:t>
+            </a:r>
+            <a:r>
+              <a:rPr lang="en-GB" dirty="0"/>
+              <a:t> </a:t>
+            </a:r>
+            <a:r>
+              <a:rPr lang="en-GB" dirty="0" err="1"/>
+              <a:t>Lösung</a:t>
+            </a:r>
+            <a:r>
+              <a:rPr lang="en-GB" dirty="0"/>
+              <a:t> für </a:t>
+            </a:r>
+            <a:r>
+              <a:rPr lang="en-GB" dirty="0" err="1"/>
+              <a:t>ein</a:t>
+            </a:r>
+            <a:r>
+              <a:rPr lang="en-GB" dirty="0"/>
+              <a:t> Problem </a:t>
+            </a:r>
+            <a:r>
+              <a:rPr lang="en-GB" dirty="0" err="1"/>
+              <a:t>liefert</a:t>
+            </a:r>
+            <a:endParaRPr lang="en-GB" dirty="0"/>
+          </a:p>
+          <a:p>
+            <a:r>
+              <a:rPr lang="en-GB" b="1" dirty="0"/>
+              <a:t>Design</a:t>
+            </a:r>
+            <a:r>
+              <a:rPr lang="en-GB" dirty="0"/>
+              <a:t>, </a:t>
+            </a:r>
+            <a:r>
+              <a:rPr lang="en-GB" dirty="0" err="1"/>
+              <a:t>d.h.</a:t>
+            </a:r>
+            <a:r>
+              <a:rPr lang="en-GB" dirty="0"/>
+              <a:t> </a:t>
+            </a:r>
+            <a:r>
+              <a:rPr lang="en-GB" dirty="0" err="1"/>
+              <a:t>wie</a:t>
+            </a:r>
+            <a:r>
+              <a:rPr lang="en-GB" dirty="0"/>
+              <a:t> gut </a:t>
+            </a:r>
+            <a:r>
+              <a:rPr lang="en-GB" dirty="0" err="1"/>
+              <a:t>lesbar</a:t>
+            </a:r>
+            <a:r>
+              <a:rPr lang="en-GB" dirty="0"/>
+              <a:t> der Code </a:t>
+            </a:r>
+            <a:r>
+              <a:rPr lang="en-GB" dirty="0" err="1"/>
+              <a:t>ist</a:t>
+            </a:r>
+            <a:r>
+              <a:rPr lang="en-GB" dirty="0"/>
+              <a:t> und </a:t>
+            </a:r>
+            <a:r>
+              <a:rPr lang="en-GB" dirty="0" err="1"/>
+              <a:t>wie</a:t>
+            </a:r>
+            <a:r>
+              <a:rPr lang="en-GB" dirty="0"/>
+              <a:t> </a:t>
+            </a:r>
+            <a:r>
+              <a:rPr lang="en-GB" dirty="0" err="1"/>
+              <a:t>effizient</a:t>
+            </a:r>
+            <a:r>
+              <a:rPr lang="en-GB" dirty="0"/>
+              <a:t> er das Problem </a:t>
+            </a:r>
+            <a:r>
+              <a:rPr lang="en-GB" dirty="0" err="1"/>
+              <a:t>löst</a:t>
+            </a:r>
+            <a:r>
+              <a:rPr lang="en-GB" dirty="0"/>
+              <a:t>.</a:t>
+            </a:r>
+          </a:p>
+          <a:p>
+            <a:r>
+              <a:rPr lang="en-GB" b="1" dirty="0" err="1"/>
+              <a:t>Stil</a:t>
+            </a:r>
+            <a:r>
+              <a:rPr lang="en-GB" dirty="0"/>
+              <a:t>, </a:t>
+            </a:r>
+            <a:r>
+              <a:rPr lang="en-GB" dirty="0" err="1"/>
+              <a:t>d.h.</a:t>
+            </a:r>
+            <a:r>
+              <a:rPr lang="en-GB" dirty="0"/>
+              <a:t> </a:t>
+            </a:r>
+            <a:r>
+              <a:rPr lang="en-GB" dirty="0" err="1"/>
+              <a:t>ob</a:t>
+            </a:r>
+            <a:r>
+              <a:rPr lang="en-GB" dirty="0"/>
+              <a:t> der Code </a:t>
+            </a:r>
+            <a:r>
+              <a:rPr lang="en-GB" dirty="0" err="1"/>
+              <a:t>visuell</a:t>
+            </a:r>
+            <a:r>
+              <a:rPr lang="en-GB" dirty="0"/>
+              <a:t> </a:t>
+            </a:r>
+            <a:r>
+              <a:rPr lang="en-GB" dirty="0" err="1"/>
+              <a:t>ansprechend</a:t>
+            </a:r>
+            <a:r>
+              <a:rPr lang="en-GB" dirty="0"/>
+              <a:t> </a:t>
+            </a:r>
+            <a:r>
+              <a:rPr lang="en-GB" dirty="0" err="1"/>
+              <a:t>formatiert</a:t>
+            </a:r>
+            <a:r>
+              <a:rPr lang="en-GB" dirty="0"/>
+              <a:t> </a:t>
+            </a:r>
+            <a:r>
+              <a:rPr lang="en-GB" dirty="0" err="1"/>
+              <a:t>ist</a:t>
+            </a:r>
+            <a:r>
+              <a:rPr lang="en-GB" dirty="0"/>
+              <a:t> (</a:t>
+            </a:r>
+            <a:r>
+              <a:rPr lang="en-GB" dirty="0" err="1"/>
+              <a:t>d.h.</a:t>
+            </a:r>
+            <a:r>
+              <a:rPr lang="en-GB" dirty="0"/>
+              <a:t> </a:t>
+            </a:r>
+            <a:r>
+              <a:rPr lang="en-GB" dirty="0" err="1"/>
+              <a:t>Abstände</a:t>
+            </a:r>
+            <a:r>
+              <a:rPr lang="en-GB" dirty="0"/>
+              <a:t>, </a:t>
+            </a:r>
+            <a:r>
+              <a:rPr lang="en-GB" dirty="0" err="1"/>
+              <a:t>Einrückungen</a:t>
+            </a:r>
+            <a:r>
+              <a:rPr lang="en-GB" dirty="0"/>
+              <a:t>, etc.)</a:t>
+            </a:r>
+          </a:p>
+          <a:p>
+            <a:endParaRPr lang="de-DE" dirty="0"/>
           </a:p>
         </p:txBody>
       </p:sp>
     </p:spTree>
     <p:extLst>
       <p:ext uri="{BB962C8B-B14F-4D97-AF65-F5344CB8AC3E}">
-        <p14:creationId xmlns:p14="http://schemas.microsoft.com/office/powerpoint/2010/main" val="2691908511"/>
+        <p14:creationId xmlns:p14="http://schemas.microsoft.com/office/powerpoint/2010/main" val="1012139165"/>
       </p:ext>
     </p:extLst>
   </p:cSld>
@@ -5964,299 +5763,102 @@
           <a:chExt cx="0" cy="0"/>
         </a:xfrm>
       </p:grpSpPr>
-      <p:graphicFrame>
-        <p:nvGraphicFramePr>
-          <p:cNvPr id="4" name="Object 3" hidden="1">
-            <a:extLst>
-              <a:ext uri="{FF2B5EF4-FFF2-40B4-BE49-F238E27FC236}">
-                <a16:creationId xmlns:a16="http://schemas.microsoft.com/office/drawing/2014/main" id="{164E5AEB-7C96-324B-9CE8-3536DA5F9082}"/>
-              </a:ext>
-            </a:extLst>
-          </p:cNvPr>
-          <p:cNvGraphicFramePr>
-            <a:graphicFrameLocks noChangeAspect="1"/>
-          </p:cNvGraphicFramePr>
-          <p:nvPr>
-            <p:custDataLst>
-              <p:tags r:id="rId2"/>
-            </p:custDataLst>
-          </p:nvPr>
-        </p:nvGraphicFramePr>
-        <p:xfrm>
-          <a:off x="1588" y="1588"/>
-          <a:ext cx="1227" cy="1588"/>
-        </p:xfrm>
-        <a:graphic>
-          <a:graphicData uri="http://schemas.openxmlformats.org/presentationml/2006/ole">
-            <mc:AlternateContent xmlns:mc="http://schemas.openxmlformats.org/markup-compatibility/2006">
-              <mc:Choice xmlns:v="urn:schemas-microsoft-com:vml" Requires="v">
-                <p:oleObj spid="_x0000_s4104" name="think-cell Slide" r:id="rId4" imgW="7772400" imgH="10058400" progId="TCLayout.ActiveDocument.1">
-                  <p:embed/>
-                </p:oleObj>
-              </mc:Choice>
-              <mc:Fallback>
-                <p:oleObj name="think-cell Slide" r:id="rId4" imgW="7772400" imgH="10058400" progId="TCLayout.ActiveDocument.1">
-                  <p:embed/>
-                  <p:pic>
-                    <p:nvPicPr>
-                      <p:cNvPr id="4" name="Object 3" hidden="1">
-                        <a:extLst>
-                          <a:ext uri="{FF2B5EF4-FFF2-40B4-BE49-F238E27FC236}">
-                            <a16:creationId xmlns:a16="http://schemas.microsoft.com/office/drawing/2014/main" id="{164E5AEB-7C96-324B-9CE8-3536DA5F9082}"/>
-                          </a:ext>
-                        </a:extLst>
-                      </p:cNvPr>
-                      <p:cNvPicPr/>
-                      <p:nvPr/>
-                    </p:nvPicPr>
-                    <p:blipFill>
-                      <a:blip r:embed="rId5"/>
-                      <a:stretch>
-                        <a:fillRect/>
-                      </a:stretch>
-                    </p:blipFill>
-                    <p:spPr>
-                      <a:xfrm>
-                        <a:off x="1588" y="1588"/>
-                        <a:ext cx="1227" cy="1588"/>
-                      </a:xfrm>
-                      <a:prstGeom prst="rect">
-                        <a:avLst/>
-                      </a:prstGeom>
-                    </p:spPr>
-                  </p:pic>
-                </p:oleObj>
-              </mc:Fallback>
-            </mc:AlternateContent>
-          </a:graphicData>
-        </a:graphic>
-      </p:graphicFrame>
       <p:sp>
         <p:nvSpPr>
-          <p:cNvPr id="8" name="TextBox 7">
-            <a:extLst>
-              <a:ext uri="{FF2B5EF4-FFF2-40B4-BE49-F238E27FC236}">
-                <a16:creationId xmlns:a16="http://schemas.microsoft.com/office/drawing/2014/main" id="{703C40E3-F5CA-F947-AFA8-F461945BD648}"/>
-              </a:ext>
-            </a:extLst>
-          </p:cNvPr>
-          <p:cNvSpPr txBox="1"/>
-          <p:nvPr/>
+          <p:cNvPr id="2" name="Title 1">
+            <a:extLst>
+              <a:ext uri="{FF2B5EF4-FFF2-40B4-BE49-F238E27FC236}">
+                <a16:creationId xmlns:a16="http://schemas.microsoft.com/office/drawing/2014/main" id="{1A7E5281-E9F0-3A15-A46B-D8A4143FE1A1}"/>
+              </a:ext>
+            </a:extLst>
+          </p:cNvPr>
+          <p:cNvSpPr>
+            <a:spLocks noGrp="1"/>
+          </p:cNvSpPr>
+          <p:nvPr>
+            <p:ph type="title"/>
+          </p:nvPr>
         </p:nvSpPr>
-        <p:spPr>
-          <a:xfrm>
-            <a:off x="228785" y="4017540"/>
-            <a:ext cx="1262269" cy="369332"/>
+        <p:spPr/>
+        <p:txBody>
+          <a:bodyPr anchor="t"/>
+          <a:lstStyle/>
+          <a:p>
+            <a:r>
+              <a:rPr lang="de-DE" dirty="0"/>
+              <a:t>Entwicklungsumgebungen</a:t>
+            </a:r>
+            <a:br>
+              <a:rPr lang="de-DE" dirty="0"/>
+            </a:br>
+            <a:r>
+              <a:rPr lang="de-DE" dirty="0"/>
+              <a:t>Integrated </a:t>
+            </a:r>
+            <a:r>
+              <a:rPr lang="de-DE" dirty="0" err="1"/>
+              <a:t>Developnent</a:t>
+            </a:r>
+            <a:r>
+              <a:rPr lang="de-DE" dirty="0"/>
+              <a:t> Environments (IDEs)</a:t>
+            </a:r>
+          </a:p>
+        </p:txBody>
+      </p:sp>
+      <p:pic>
+        <p:nvPicPr>
+          <p:cNvPr id="8194" name="Picture 2" descr="04_replit_editor">
+            <a:extLst>
+              <a:ext uri="{FF2B5EF4-FFF2-40B4-BE49-F238E27FC236}">
+                <a16:creationId xmlns:a16="http://schemas.microsoft.com/office/drawing/2014/main" id="{183CB729-EC2E-E6A6-8D6C-AE6EEB84A065}"/>
+              </a:ext>
+            </a:extLst>
+          </p:cNvPr>
+          <p:cNvPicPr>
+            <a:picLocks noGrp="1" noChangeAspect="1" noChangeArrowheads="1"/>
+          </p:cNvPicPr>
+          <p:nvPr>
+            <p:ph idx="1"/>
+          </p:nvPr>
+        </p:nvPicPr>
+        <p:blipFill>
+          <a:blip r:embed="rId2">
+            <a:extLst>
+              <a:ext uri="{28A0092B-C50C-407E-A947-70E740481C1C}">
+                <a14:useLocalDpi xmlns:a14="http://schemas.microsoft.com/office/drawing/2010/main" val="0"/>
+              </a:ext>
+            </a:extLst>
+          </a:blip>
+          <a:srcRect/>
+          <a:stretch>
+            <a:fillRect/>
+          </a:stretch>
+        </p:blipFill>
+        <p:spPr bwMode="auto">
+          <a:xfrm>
+            <a:off x="517525" y="2715789"/>
+            <a:ext cx="5578475" cy="1142259"/>
           </a:xfrm>
           <a:prstGeom prst="rect">
             <a:avLst/>
           </a:prstGeom>
           <a:noFill/>
-        </p:spPr>
-        <p:txBody>
-          <a:bodyPr wrap="none" rtlCol="0">
-            <a:spAutoFit/>
-          </a:bodyPr>
-          <a:lstStyle/>
-          <a:p>
-            <a:r>
-              <a:rPr lang="de-DE" dirty="0">
-                <a:latin typeface="Lato Light" panose="020F0302020204030203" pitchFamily="34" charset="77"/>
-              </a:rPr>
-              <a:t>Parameter</a:t>
-            </a:r>
-          </a:p>
-        </p:txBody>
-      </p:sp>
-      <p:cxnSp>
-        <p:nvCxnSpPr>
-          <p:cNvPr id="9" name="Straight Arrow Connector 8">
-            <a:extLst>
-              <a:ext uri="{FF2B5EF4-FFF2-40B4-BE49-F238E27FC236}">
-                <a16:creationId xmlns:a16="http://schemas.microsoft.com/office/drawing/2014/main" id="{A54DFF52-89FA-3D46-9139-633540144AA5}"/>
-              </a:ext>
-            </a:extLst>
-          </p:cNvPr>
-          <p:cNvCxnSpPr>
-            <a:cxnSpLocks/>
-          </p:cNvCxnSpPr>
-          <p:nvPr/>
-        </p:nvCxnSpPr>
-        <p:spPr>
-          <a:xfrm>
-            <a:off x="1491054" y="4215653"/>
-            <a:ext cx="605117" cy="0"/>
-          </a:xfrm>
-          <a:prstGeom prst="straightConnector1">
-            <a:avLst/>
-          </a:prstGeom>
-          <a:ln>
-            <a:solidFill>
-              <a:schemeClr val="tx1"/>
-            </a:solidFill>
-            <a:tailEnd type="triangle"/>
-          </a:ln>
-        </p:spPr>
-        <p:style>
-          <a:lnRef idx="1">
-            <a:schemeClr val="accent1"/>
-          </a:lnRef>
-          <a:fillRef idx="0">
-            <a:schemeClr val="accent1"/>
-          </a:fillRef>
-          <a:effectRef idx="0">
-            <a:schemeClr val="accent1"/>
-          </a:effectRef>
-          <a:fontRef idx="minor">
-            <a:schemeClr val="tx1"/>
-          </a:fontRef>
-        </p:style>
-      </p:cxnSp>
-      <p:sp>
-        <p:nvSpPr>
-          <p:cNvPr id="13" name="Rectangle 12">
-            <a:extLst>
-              <a:ext uri="{FF2B5EF4-FFF2-40B4-BE49-F238E27FC236}">
-                <a16:creationId xmlns:a16="http://schemas.microsoft.com/office/drawing/2014/main" id="{7BF075C7-0151-504F-B735-270F794A4F4F}"/>
-              </a:ext>
-            </a:extLst>
-          </p:cNvPr>
-          <p:cNvSpPr/>
-          <p:nvPr/>
-        </p:nvSpPr>
-        <p:spPr>
-          <a:xfrm>
-            <a:off x="2151530" y="3429000"/>
-            <a:ext cx="1949824" cy="1573305"/>
-          </a:xfrm>
-          <a:prstGeom prst="rect">
-            <a:avLst/>
-          </a:prstGeom>
-          <a:noFill/>
-          <a:ln>
-            <a:solidFill>
-              <a:schemeClr val="tx1"/>
-            </a:solidFill>
-          </a:ln>
-        </p:spPr>
-        <p:style>
-          <a:lnRef idx="2">
-            <a:schemeClr val="accent1">
-              <a:shade val="50000"/>
-            </a:schemeClr>
-          </a:lnRef>
-          <a:fillRef idx="1">
-            <a:schemeClr val="accent1"/>
-          </a:fillRef>
-          <a:effectRef idx="0">
-            <a:schemeClr val="accent1"/>
-          </a:effectRef>
-          <a:fontRef idx="minor">
-            <a:schemeClr val="lt1"/>
-          </a:fontRef>
-        </p:style>
-        <p:txBody>
-          <a:bodyPr rtlCol="0" anchor="ctr"/>
-          <a:lstStyle/>
-          <a:p>
-            <a:pPr algn="ctr"/>
-            <a:r>
-              <a:rPr lang="de-DE" dirty="0">
-                <a:solidFill>
-                  <a:schemeClr val="tx1"/>
-                </a:solidFill>
-                <a:latin typeface="Lato Light" panose="020F0302020204030203" pitchFamily="34" charset="77"/>
-              </a:rPr>
-              <a:t>Funktionen</a:t>
-            </a:r>
-          </a:p>
-        </p:txBody>
-      </p:sp>
-      <p:cxnSp>
-        <p:nvCxnSpPr>
-          <p:cNvPr id="14" name="Straight Arrow Connector 13">
-            <a:extLst>
-              <a:ext uri="{FF2B5EF4-FFF2-40B4-BE49-F238E27FC236}">
-                <a16:creationId xmlns:a16="http://schemas.microsoft.com/office/drawing/2014/main" id="{7DAAAD9F-AFC5-1346-9871-B75C238558FD}"/>
-              </a:ext>
-            </a:extLst>
-          </p:cNvPr>
-          <p:cNvCxnSpPr>
-            <a:cxnSpLocks/>
-          </p:cNvCxnSpPr>
-          <p:nvPr/>
-        </p:nvCxnSpPr>
-        <p:spPr>
-          <a:xfrm>
-            <a:off x="4173073" y="4202206"/>
-            <a:ext cx="605117" cy="0"/>
-          </a:xfrm>
-          <a:prstGeom prst="straightConnector1">
-            <a:avLst/>
-          </a:prstGeom>
-          <a:ln>
-            <a:solidFill>
-              <a:schemeClr val="tx1"/>
-            </a:solidFill>
-            <a:tailEnd type="triangle"/>
-          </a:ln>
-        </p:spPr>
-        <p:style>
-          <a:lnRef idx="1">
-            <a:schemeClr val="accent1"/>
-          </a:lnRef>
-          <a:fillRef idx="0">
-            <a:schemeClr val="accent1"/>
-          </a:fillRef>
-          <a:effectRef idx="0">
-            <a:schemeClr val="accent1"/>
-          </a:effectRef>
-          <a:fontRef idx="minor">
-            <a:schemeClr val="tx1"/>
-          </a:fontRef>
-        </p:style>
-      </p:cxnSp>
-      <p:sp>
-        <p:nvSpPr>
-          <p:cNvPr id="15" name="TextBox 14">
-            <a:extLst>
-              <a:ext uri="{FF2B5EF4-FFF2-40B4-BE49-F238E27FC236}">
-                <a16:creationId xmlns:a16="http://schemas.microsoft.com/office/drawing/2014/main" id="{15BCCEE6-C5DF-5343-9704-BF0CAD8697C5}"/>
-              </a:ext>
-            </a:extLst>
-          </p:cNvPr>
-          <p:cNvSpPr txBox="1"/>
-          <p:nvPr/>
-        </p:nvSpPr>
-        <p:spPr>
-          <a:xfrm>
-            <a:off x="4823015" y="4017540"/>
-            <a:ext cx="1149674" cy="369332"/>
-          </a:xfrm>
-          <a:prstGeom prst="rect">
-            <a:avLst/>
-          </a:prstGeom>
-          <a:noFill/>
-        </p:spPr>
-        <p:txBody>
-          <a:bodyPr wrap="none" rtlCol="0">
-            <a:spAutoFit/>
-          </a:bodyPr>
-          <a:lstStyle/>
-          <a:p>
-            <a:r>
-              <a:rPr lang="de-DE" dirty="0">
-                <a:latin typeface="Lato Light" panose="020F0302020204030203" pitchFamily="34" charset="77"/>
-              </a:rPr>
-              <a:t>Rückgabe</a:t>
-            </a:r>
-          </a:p>
-        </p:txBody>
-      </p:sp>
+          <a:extLst>
+            <a:ext uri="{909E8E84-426E-40DD-AFC4-6F175D3DCCD1}">
+              <a14:hiddenFill xmlns:a14="http://schemas.microsoft.com/office/drawing/2010/main">
+                <a:solidFill>
+                  <a:srgbClr val="FFFFFF"/>
+                </a:solidFill>
+              </a14:hiddenFill>
+            </a:ext>
+          </a:extLst>
+        </p:spPr>
+      </p:pic>
     </p:spTree>
     <p:extLst>
       <p:ext uri="{BB962C8B-B14F-4D97-AF65-F5344CB8AC3E}">
-        <p14:creationId xmlns:p14="http://schemas.microsoft.com/office/powerpoint/2010/main" val="1915475066"/>
+        <p14:creationId xmlns:p14="http://schemas.microsoft.com/office/powerpoint/2010/main" val="2487582731"/>
       </p:ext>
     </p:extLst>
   </p:cSld>
@@ -6288,7 +5890,7 @@
           <p:cNvPr id="4" name="Object 3" hidden="1">
             <a:extLst>
               <a:ext uri="{FF2B5EF4-FFF2-40B4-BE49-F238E27FC236}">
-                <a16:creationId xmlns:a16="http://schemas.microsoft.com/office/drawing/2014/main" id="{00157BD2-12ED-954F-9BA2-3DB7503C79E9}"/>
+                <a16:creationId xmlns:a16="http://schemas.microsoft.com/office/drawing/2014/main" id="{164E5AEB-7C96-324B-9CE8-3536DA5F9082}"/>
               </a:ext>
             </a:extLst>
           </p:cNvPr>
@@ -6297,7 +5899,963 @@
           </p:cNvGraphicFramePr>
           <p:nvPr>
             <p:custDataLst>
-              <p:tags r:id="rId2"/>
+              <p:tags r:id="rId1"/>
+            </p:custDataLst>
+            <p:extLst>
+              <p:ext uri="{D42A27DB-BD31-4B8C-83A1-F6EECF244321}">
+                <p14:modId xmlns:p14="http://schemas.microsoft.com/office/powerpoint/2010/main" val="821744614"/>
+              </p:ext>
+            </p:extLst>
+          </p:nvPr>
+        </p:nvGraphicFramePr>
+        <p:xfrm>
+          <a:off x="1588" y="1588"/>
+          <a:ext cx="1227" cy="1588"/>
+        </p:xfrm>
+        <a:graphic>
+          <a:graphicData uri="http://schemas.openxmlformats.org/presentationml/2006/ole">
+            <mc:AlternateContent xmlns:mc="http://schemas.openxmlformats.org/markup-compatibility/2006">
+              <mc:Choice xmlns:v="urn:schemas-microsoft-com:vml" Requires="v">
+                <p:oleObj name="think-cell Slide" r:id="rId3" imgW="7772400" imgH="10058400" progId="TCLayout.ActiveDocument.1">
+                  <p:embed/>
+                </p:oleObj>
+              </mc:Choice>
+              <mc:Fallback>
+                <p:oleObj name="think-cell Slide" r:id="rId3" imgW="7772400" imgH="10058400" progId="TCLayout.ActiveDocument.1">
+                  <p:embed/>
+                  <p:pic>
+                    <p:nvPicPr>
+                      <p:cNvPr id="0" name=""/>
+                      <p:cNvPicPr/>
+                      <p:nvPr/>
+                    </p:nvPicPr>
+                    <p:blipFill>
+                      <a:blip r:embed="rId4"/>
+                      <a:stretch>
+                        <a:fillRect/>
+                      </a:stretch>
+                    </p:blipFill>
+                    <p:spPr>
+                      <a:xfrm>
+                        <a:off x="1588" y="1588"/>
+                        <a:ext cx="1227" cy="1588"/>
+                      </a:xfrm>
+                      <a:prstGeom prst="rect">
+                        <a:avLst/>
+                      </a:prstGeom>
+                    </p:spPr>
+                  </p:pic>
+                </p:oleObj>
+              </mc:Fallback>
+            </mc:AlternateContent>
+          </a:graphicData>
+        </a:graphic>
+      </p:graphicFrame>
+      <p:sp>
+        <p:nvSpPr>
+          <p:cNvPr id="5" name="TextBox 4">
+            <a:extLst>
+              <a:ext uri="{FF2B5EF4-FFF2-40B4-BE49-F238E27FC236}">
+                <a16:creationId xmlns:a16="http://schemas.microsoft.com/office/drawing/2014/main" id="{283E92A9-571C-1E41-AC97-A914C3DE9992}"/>
+              </a:ext>
+            </a:extLst>
+          </p:cNvPr>
+          <p:cNvSpPr txBox="1"/>
+          <p:nvPr/>
+        </p:nvSpPr>
+        <p:spPr>
+          <a:xfrm>
+            <a:off x="228785" y="4017540"/>
+            <a:ext cx="1262269" cy="369332"/>
+          </a:xfrm>
+          <a:prstGeom prst="rect">
+            <a:avLst/>
+          </a:prstGeom>
+          <a:noFill/>
+        </p:spPr>
+        <p:txBody>
+          <a:bodyPr wrap="none" rtlCol="0">
+            <a:spAutoFit/>
+          </a:bodyPr>
+          <a:lstStyle/>
+          <a:p>
+            <a:r>
+              <a:rPr lang="de-DE" dirty="0">
+                <a:latin typeface="Lato Light" panose="020F0302020204030203" pitchFamily="34" charset="77"/>
+              </a:rPr>
+              <a:t>Parameter</a:t>
+            </a:r>
+          </a:p>
+        </p:txBody>
+      </p:sp>
+      <p:cxnSp>
+        <p:nvCxnSpPr>
+          <p:cNvPr id="7" name="Straight Arrow Connector 6">
+            <a:extLst>
+              <a:ext uri="{FF2B5EF4-FFF2-40B4-BE49-F238E27FC236}">
+                <a16:creationId xmlns:a16="http://schemas.microsoft.com/office/drawing/2014/main" id="{7765652A-DA63-784A-997C-8E985134B485}"/>
+              </a:ext>
+            </a:extLst>
+          </p:cNvPr>
+          <p:cNvCxnSpPr>
+            <a:cxnSpLocks/>
+          </p:cNvCxnSpPr>
+          <p:nvPr/>
+        </p:nvCxnSpPr>
+        <p:spPr>
+          <a:xfrm>
+            <a:off x="1491054" y="4215653"/>
+            <a:ext cx="605117" cy="0"/>
+          </a:xfrm>
+          <a:prstGeom prst="straightConnector1">
+            <a:avLst/>
+          </a:prstGeom>
+          <a:ln>
+            <a:solidFill>
+              <a:schemeClr val="tx1"/>
+            </a:solidFill>
+            <a:tailEnd type="triangle"/>
+          </a:ln>
+        </p:spPr>
+        <p:style>
+          <a:lnRef idx="1">
+            <a:schemeClr val="accent1"/>
+          </a:lnRef>
+          <a:fillRef idx="0">
+            <a:schemeClr val="accent1"/>
+          </a:fillRef>
+          <a:effectRef idx="0">
+            <a:schemeClr val="accent1"/>
+          </a:effectRef>
+          <a:fontRef idx="minor">
+            <a:schemeClr val="tx1"/>
+          </a:fontRef>
+        </p:style>
+      </p:cxnSp>
+      <p:sp>
+        <p:nvSpPr>
+          <p:cNvPr id="10" name="Rectangle 9">
+            <a:extLst>
+              <a:ext uri="{FF2B5EF4-FFF2-40B4-BE49-F238E27FC236}">
+                <a16:creationId xmlns:a16="http://schemas.microsoft.com/office/drawing/2014/main" id="{F5EE3D8C-1695-A44C-B43A-73D95697EF1D}"/>
+              </a:ext>
+            </a:extLst>
+          </p:cNvPr>
+          <p:cNvSpPr/>
+          <p:nvPr/>
+        </p:nvSpPr>
+        <p:spPr>
+          <a:xfrm>
+            <a:off x="2151530" y="3429000"/>
+            <a:ext cx="1949824" cy="1573305"/>
+          </a:xfrm>
+          <a:prstGeom prst="rect">
+            <a:avLst/>
+          </a:prstGeom>
+          <a:noFill/>
+          <a:ln>
+            <a:solidFill>
+              <a:schemeClr val="tx1"/>
+            </a:solidFill>
+          </a:ln>
+        </p:spPr>
+        <p:style>
+          <a:lnRef idx="2">
+            <a:schemeClr val="accent1">
+              <a:shade val="50000"/>
+            </a:schemeClr>
+          </a:lnRef>
+          <a:fillRef idx="1">
+            <a:schemeClr val="accent1"/>
+          </a:fillRef>
+          <a:effectRef idx="0">
+            <a:schemeClr val="accent1"/>
+          </a:effectRef>
+          <a:fontRef idx="minor">
+            <a:schemeClr val="lt1"/>
+          </a:fontRef>
+        </p:style>
+        <p:txBody>
+          <a:bodyPr rtlCol="0" anchor="ctr"/>
+          <a:lstStyle/>
+          <a:p>
+            <a:pPr algn="ctr"/>
+            <a:r>
+              <a:rPr lang="de-DE" dirty="0">
+                <a:solidFill>
+                  <a:schemeClr val="tx1"/>
+                </a:solidFill>
+                <a:latin typeface="Lato Light" panose="020F0302020204030203" pitchFamily="34" charset="77"/>
+              </a:rPr>
+              <a:t>Funktionen</a:t>
+            </a:r>
+          </a:p>
+        </p:txBody>
+      </p:sp>
+      <p:cxnSp>
+        <p:nvCxnSpPr>
+          <p:cNvPr id="11" name="Straight Arrow Connector 10">
+            <a:extLst>
+              <a:ext uri="{FF2B5EF4-FFF2-40B4-BE49-F238E27FC236}">
+                <a16:creationId xmlns:a16="http://schemas.microsoft.com/office/drawing/2014/main" id="{C03D0BD3-B00F-8643-81AB-292CB0110BAB}"/>
+              </a:ext>
+            </a:extLst>
+          </p:cNvPr>
+          <p:cNvCxnSpPr>
+            <a:cxnSpLocks/>
+          </p:cNvCxnSpPr>
+          <p:nvPr/>
+        </p:nvCxnSpPr>
+        <p:spPr>
+          <a:xfrm>
+            <a:off x="4173073" y="4202206"/>
+            <a:ext cx="605117" cy="0"/>
+          </a:xfrm>
+          <a:prstGeom prst="straightConnector1">
+            <a:avLst/>
+          </a:prstGeom>
+          <a:ln>
+            <a:solidFill>
+              <a:schemeClr val="tx1"/>
+            </a:solidFill>
+            <a:tailEnd type="triangle"/>
+          </a:ln>
+        </p:spPr>
+        <p:style>
+          <a:lnRef idx="1">
+            <a:schemeClr val="accent1"/>
+          </a:lnRef>
+          <a:fillRef idx="0">
+            <a:schemeClr val="accent1"/>
+          </a:fillRef>
+          <a:effectRef idx="0">
+            <a:schemeClr val="accent1"/>
+          </a:effectRef>
+          <a:fontRef idx="minor">
+            <a:schemeClr val="tx1"/>
+          </a:fontRef>
+        </p:style>
+      </p:cxnSp>
+      <p:sp>
+        <p:nvSpPr>
+          <p:cNvPr id="12" name="TextBox 11">
+            <a:extLst>
+              <a:ext uri="{FF2B5EF4-FFF2-40B4-BE49-F238E27FC236}">
+                <a16:creationId xmlns:a16="http://schemas.microsoft.com/office/drawing/2014/main" id="{A6DE3F6B-2D50-0140-BAF4-CE45CC5C0A2C}"/>
+              </a:ext>
+            </a:extLst>
+          </p:cNvPr>
+          <p:cNvSpPr txBox="1"/>
+          <p:nvPr/>
+        </p:nvSpPr>
+        <p:spPr>
+          <a:xfrm>
+            <a:off x="4823015" y="4017540"/>
+            <a:ext cx="1032655" cy="369332"/>
+          </a:xfrm>
+          <a:prstGeom prst="rect">
+            <a:avLst/>
+          </a:prstGeom>
+          <a:noFill/>
+        </p:spPr>
+        <p:txBody>
+          <a:bodyPr wrap="none" rtlCol="0">
+            <a:spAutoFit/>
+          </a:bodyPr>
+          <a:lstStyle/>
+          <a:p>
+            <a:r>
+              <a:rPr lang="de-DE" dirty="0">
+                <a:latin typeface="Lato Light" panose="020F0302020204030203" pitchFamily="34" charset="77"/>
+              </a:rPr>
+              <a:t>Ausgabe</a:t>
+            </a:r>
+          </a:p>
+        </p:txBody>
+      </p:sp>
+    </p:spTree>
+    <p:extLst>
+      <p:ext uri="{BB962C8B-B14F-4D97-AF65-F5344CB8AC3E}">
+        <p14:creationId xmlns:p14="http://schemas.microsoft.com/office/powerpoint/2010/main" val="4217063870"/>
+      </p:ext>
+    </p:extLst>
+  </p:cSld>
+  <p:clrMapOvr>
+    <a:masterClrMapping/>
+  </p:clrMapOvr>
+</p:sld>
+</file>
+
+<file path=ppt/slides/slide6.xml><?xml version="1.0" encoding="utf-8"?>
+<p:sld xmlns:a="http://schemas.openxmlformats.org/drawingml/2006/main" xmlns:r="http://schemas.openxmlformats.org/officeDocument/2006/relationships" xmlns:p="http://schemas.openxmlformats.org/presentationml/2006/main">
+  <p:cSld>
+    <p:spTree>
+      <p:nvGrpSpPr>
+        <p:cNvPr id="1" name=""/>
+        <p:cNvGrpSpPr/>
+        <p:nvPr/>
+      </p:nvGrpSpPr>
+      <p:grpSpPr>
+        <a:xfrm>
+          <a:off x="0" y="0"/>
+          <a:ext cx="0" cy="0"/>
+          <a:chOff x="0" y="0"/>
+          <a:chExt cx="0" cy="0"/>
+        </a:xfrm>
+      </p:grpSpPr>
+      <p:graphicFrame>
+        <p:nvGraphicFramePr>
+          <p:cNvPr id="4" name="Object 3" hidden="1">
+            <a:extLst>
+              <a:ext uri="{FF2B5EF4-FFF2-40B4-BE49-F238E27FC236}">
+                <a16:creationId xmlns:a16="http://schemas.microsoft.com/office/drawing/2014/main" id="{164E5AEB-7C96-324B-9CE8-3536DA5F9082}"/>
+              </a:ext>
+            </a:extLst>
+          </p:cNvPr>
+          <p:cNvGraphicFramePr>
+            <a:graphicFrameLocks noChangeAspect="1"/>
+          </p:cNvGraphicFramePr>
+          <p:nvPr>
+            <p:custDataLst>
+              <p:tags r:id="rId1"/>
+            </p:custDataLst>
+          </p:nvPr>
+        </p:nvGraphicFramePr>
+        <p:xfrm>
+          <a:off x="1588" y="1588"/>
+          <a:ext cx="1227" cy="1588"/>
+        </p:xfrm>
+        <a:graphic>
+          <a:graphicData uri="http://schemas.openxmlformats.org/presentationml/2006/ole">
+            <mc:AlternateContent xmlns:mc="http://schemas.openxmlformats.org/markup-compatibility/2006">
+              <mc:Choice xmlns:v="urn:schemas-microsoft-com:vml" Requires="v">
+                <p:oleObj name="think-cell Slide" r:id="rId3" imgW="7772400" imgH="10058400" progId="TCLayout.ActiveDocument.1">
+                  <p:embed/>
+                </p:oleObj>
+              </mc:Choice>
+              <mc:Fallback>
+                <p:oleObj name="think-cell Slide" r:id="rId3" imgW="7772400" imgH="10058400" progId="TCLayout.ActiveDocument.1">
+                  <p:embed/>
+                  <p:pic>
+                    <p:nvPicPr>
+                      <p:cNvPr id="4" name="Object 3" hidden="1">
+                        <a:extLst>
+                          <a:ext uri="{FF2B5EF4-FFF2-40B4-BE49-F238E27FC236}">
+                            <a16:creationId xmlns:a16="http://schemas.microsoft.com/office/drawing/2014/main" id="{164E5AEB-7C96-324B-9CE8-3536DA5F9082}"/>
+                          </a:ext>
+                        </a:extLst>
+                      </p:cNvPr>
+                      <p:cNvPicPr/>
+                      <p:nvPr/>
+                    </p:nvPicPr>
+                    <p:blipFill>
+                      <a:blip r:embed="rId4"/>
+                      <a:stretch>
+                        <a:fillRect/>
+                      </a:stretch>
+                    </p:blipFill>
+                    <p:spPr>
+                      <a:xfrm>
+                        <a:off x="1588" y="1588"/>
+                        <a:ext cx="1227" cy="1588"/>
+                      </a:xfrm>
+                      <a:prstGeom prst="rect">
+                        <a:avLst/>
+                      </a:prstGeom>
+                    </p:spPr>
+                  </p:pic>
+                </p:oleObj>
+              </mc:Fallback>
+            </mc:AlternateContent>
+          </a:graphicData>
+        </a:graphic>
+      </p:graphicFrame>
+      <p:sp>
+        <p:nvSpPr>
+          <p:cNvPr id="5" name="TextBox 4">
+            <a:extLst>
+              <a:ext uri="{FF2B5EF4-FFF2-40B4-BE49-F238E27FC236}">
+                <a16:creationId xmlns:a16="http://schemas.microsoft.com/office/drawing/2014/main" id="{283E92A9-571C-1E41-AC97-A914C3DE9992}"/>
+              </a:ext>
+            </a:extLst>
+          </p:cNvPr>
+          <p:cNvSpPr txBox="1"/>
+          <p:nvPr/>
+        </p:nvSpPr>
+        <p:spPr>
+          <a:xfrm>
+            <a:off x="228785" y="4017540"/>
+            <a:ext cx="1262269" cy="369332"/>
+          </a:xfrm>
+          <a:prstGeom prst="rect">
+            <a:avLst/>
+          </a:prstGeom>
+          <a:noFill/>
+        </p:spPr>
+        <p:txBody>
+          <a:bodyPr wrap="none" rtlCol="0">
+            <a:spAutoFit/>
+          </a:bodyPr>
+          <a:lstStyle/>
+          <a:p>
+            <a:r>
+              <a:rPr lang="de-DE" dirty="0">
+                <a:latin typeface="Lato Light" panose="020F0302020204030203" pitchFamily="34" charset="77"/>
+              </a:rPr>
+              <a:t>Parameter</a:t>
+            </a:r>
+          </a:p>
+        </p:txBody>
+      </p:sp>
+      <p:cxnSp>
+        <p:nvCxnSpPr>
+          <p:cNvPr id="7" name="Straight Arrow Connector 6">
+            <a:extLst>
+              <a:ext uri="{FF2B5EF4-FFF2-40B4-BE49-F238E27FC236}">
+                <a16:creationId xmlns:a16="http://schemas.microsoft.com/office/drawing/2014/main" id="{7765652A-DA63-784A-997C-8E985134B485}"/>
+              </a:ext>
+            </a:extLst>
+          </p:cNvPr>
+          <p:cNvCxnSpPr>
+            <a:cxnSpLocks/>
+          </p:cNvCxnSpPr>
+          <p:nvPr/>
+        </p:nvCxnSpPr>
+        <p:spPr>
+          <a:xfrm>
+            <a:off x="1491054" y="4215653"/>
+            <a:ext cx="605117" cy="0"/>
+          </a:xfrm>
+          <a:prstGeom prst="straightConnector1">
+            <a:avLst/>
+          </a:prstGeom>
+          <a:ln>
+            <a:solidFill>
+              <a:schemeClr val="tx1"/>
+            </a:solidFill>
+            <a:tailEnd type="triangle"/>
+          </a:ln>
+        </p:spPr>
+        <p:style>
+          <a:lnRef idx="1">
+            <a:schemeClr val="accent1"/>
+          </a:lnRef>
+          <a:fillRef idx="0">
+            <a:schemeClr val="accent1"/>
+          </a:fillRef>
+          <a:effectRef idx="0">
+            <a:schemeClr val="accent1"/>
+          </a:effectRef>
+          <a:fontRef idx="minor">
+            <a:schemeClr val="tx1"/>
+          </a:fontRef>
+        </p:style>
+      </p:cxnSp>
+      <p:sp>
+        <p:nvSpPr>
+          <p:cNvPr id="10" name="Rectangle 9">
+            <a:extLst>
+              <a:ext uri="{FF2B5EF4-FFF2-40B4-BE49-F238E27FC236}">
+                <a16:creationId xmlns:a16="http://schemas.microsoft.com/office/drawing/2014/main" id="{F5EE3D8C-1695-A44C-B43A-73D95697EF1D}"/>
+              </a:ext>
+            </a:extLst>
+          </p:cNvPr>
+          <p:cNvSpPr/>
+          <p:nvPr/>
+        </p:nvSpPr>
+        <p:spPr>
+          <a:xfrm>
+            <a:off x="2151530" y="3429000"/>
+            <a:ext cx="1949824" cy="1573305"/>
+          </a:xfrm>
+          <a:prstGeom prst="rect">
+            <a:avLst/>
+          </a:prstGeom>
+          <a:noFill/>
+          <a:ln>
+            <a:solidFill>
+              <a:schemeClr val="tx1"/>
+            </a:solidFill>
+          </a:ln>
+        </p:spPr>
+        <p:style>
+          <a:lnRef idx="2">
+            <a:schemeClr val="accent1">
+              <a:shade val="50000"/>
+            </a:schemeClr>
+          </a:lnRef>
+          <a:fillRef idx="1">
+            <a:schemeClr val="accent1"/>
+          </a:fillRef>
+          <a:effectRef idx="0">
+            <a:schemeClr val="accent1"/>
+          </a:effectRef>
+          <a:fontRef idx="minor">
+            <a:schemeClr val="lt1"/>
+          </a:fontRef>
+        </p:style>
+        <p:txBody>
+          <a:bodyPr rtlCol="0" anchor="ctr"/>
+          <a:lstStyle/>
+          <a:p>
+            <a:pPr algn="ctr"/>
+            <a:r>
+              <a:rPr lang="de-DE" dirty="0">
+                <a:solidFill>
+                  <a:schemeClr val="tx1"/>
+                </a:solidFill>
+                <a:latin typeface="Lato Light" panose="020F0302020204030203" pitchFamily="34" charset="77"/>
+              </a:rPr>
+              <a:t>Funktionen</a:t>
+            </a:r>
+          </a:p>
+        </p:txBody>
+      </p:sp>
+      <p:cxnSp>
+        <p:nvCxnSpPr>
+          <p:cNvPr id="11" name="Straight Arrow Connector 10">
+            <a:extLst>
+              <a:ext uri="{FF2B5EF4-FFF2-40B4-BE49-F238E27FC236}">
+                <a16:creationId xmlns:a16="http://schemas.microsoft.com/office/drawing/2014/main" id="{C03D0BD3-B00F-8643-81AB-292CB0110BAB}"/>
+              </a:ext>
+            </a:extLst>
+          </p:cNvPr>
+          <p:cNvCxnSpPr>
+            <a:cxnSpLocks/>
+          </p:cNvCxnSpPr>
+          <p:nvPr/>
+        </p:nvCxnSpPr>
+        <p:spPr>
+          <a:xfrm>
+            <a:off x="4173073" y="4202206"/>
+            <a:ext cx="605117" cy="0"/>
+          </a:xfrm>
+          <a:prstGeom prst="straightConnector1">
+            <a:avLst/>
+          </a:prstGeom>
+          <a:ln>
+            <a:solidFill>
+              <a:schemeClr val="tx1"/>
+            </a:solidFill>
+            <a:tailEnd type="triangle"/>
+          </a:ln>
+        </p:spPr>
+        <p:style>
+          <a:lnRef idx="1">
+            <a:schemeClr val="accent1"/>
+          </a:lnRef>
+          <a:fillRef idx="0">
+            <a:schemeClr val="accent1"/>
+          </a:fillRef>
+          <a:effectRef idx="0">
+            <a:schemeClr val="accent1"/>
+          </a:effectRef>
+          <a:fontRef idx="minor">
+            <a:schemeClr val="tx1"/>
+          </a:fontRef>
+        </p:style>
+      </p:cxnSp>
+      <p:sp>
+        <p:nvSpPr>
+          <p:cNvPr id="12" name="TextBox 11">
+            <a:extLst>
+              <a:ext uri="{FF2B5EF4-FFF2-40B4-BE49-F238E27FC236}">
+                <a16:creationId xmlns:a16="http://schemas.microsoft.com/office/drawing/2014/main" id="{A6DE3F6B-2D50-0140-BAF4-CE45CC5C0A2C}"/>
+              </a:ext>
+            </a:extLst>
+          </p:cNvPr>
+          <p:cNvSpPr txBox="1"/>
+          <p:nvPr/>
+        </p:nvSpPr>
+        <p:spPr>
+          <a:xfrm>
+            <a:off x="4823015" y="4017540"/>
+            <a:ext cx="1032655" cy="369332"/>
+          </a:xfrm>
+          <a:prstGeom prst="rect">
+            <a:avLst/>
+          </a:prstGeom>
+          <a:noFill/>
+        </p:spPr>
+        <p:txBody>
+          <a:bodyPr wrap="none" rtlCol="0">
+            <a:spAutoFit/>
+          </a:bodyPr>
+          <a:lstStyle/>
+          <a:p>
+            <a:r>
+              <a:rPr lang="de-DE" dirty="0">
+                <a:latin typeface="Lato Light" panose="020F0302020204030203" pitchFamily="34" charset="77"/>
+              </a:rPr>
+              <a:t>Ausgabe</a:t>
+            </a:r>
+          </a:p>
+        </p:txBody>
+      </p:sp>
+    </p:spTree>
+    <p:extLst>
+      <p:ext uri="{BB962C8B-B14F-4D97-AF65-F5344CB8AC3E}">
+        <p14:creationId xmlns:p14="http://schemas.microsoft.com/office/powerpoint/2010/main" val="2691908511"/>
+      </p:ext>
+    </p:extLst>
+  </p:cSld>
+  <p:clrMapOvr>
+    <a:masterClrMapping/>
+  </p:clrMapOvr>
+</p:sld>
+</file>
+
+<file path=ppt/slides/slide7.xml><?xml version="1.0" encoding="utf-8"?>
+<p:sld xmlns:a="http://schemas.openxmlformats.org/drawingml/2006/main" xmlns:r="http://schemas.openxmlformats.org/officeDocument/2006/relationships" xmlns:p="http://schemas.openxmlformats.org/presentationml/2006/main">
+  <p:cSld>
+    <p:spTree>
+      <p:nvGrpSpPr>
+        <p:cNvPr id="1" name=""/>
+        <p:cNvGrpSpPr/>
+        <p:nvPr/>
+      </p:nvGrpSpPr>
+      <p:grpSpPr>
+        <a:xfrm>
+          <a:off x="0" y="0"/>
+          <a:ext cx="0" cy="0"/>
+          <a:chOff x="0" y="0"/>
+          <a:chExt cx="0" cy="0"/>
+        </a:xfrm>
+      </p:grpSpPr>
+      <p:graphicFrame>
+        <p:nvGraphicFramePr>
+          <p:cNvPr id="4" name="Object 3" hidden="1">
+            <a:extLst>
+              <a:ext uri="{FF2B5EF4-FFF2-40B4-BE49-F238E27FC236}">
+                <a16:creationId xmlns:a16="http://schemas.microsoft.com/office/drawing/2014/main" id="{164E5AEB-7C96-324B-9CE8-3536DA5F9082}"/>
+              </a:ext>
+            </a:extLst>
+          </p:cNvPr>
+          <p:cNvGraphicFramePr>
+            <a:graphicFrameLocks noChangeAspect="1"/>
+          </p:cNvGraphicFramePr>
+          <p:nvPr>
+            <p:custDataLst>
+              <p:tags r:id="rId1"/>
+            </p:custDataLst>
+          </p:nvPr>
+        </p:nvGraphicFramePr>
+        <p:xfrm>
+          <a:off x="1588" y="1588"/>
+          <a:ext cx="1227" cy="1588"/>
+        </p:xfrm>
+        <a:graphic>
+          <a:graphicData uri="http://schemas.openxmlformats.org/presentationml/2006/ole">
+            <mc:AlternateContent xmlns:mc="http://schemas.openxmlformats.org/markup-compatibility/2006">
+              <mc:Choice xmlns:v="urn:schemas-microsoft-com:vml" Requires="v">
+                <p:oleObj name="think-cell Slide" r:id="rId3" imgW="7772400" imgH="10058400" progId="TCLayout.ActiveDocument.1">
+                  <p:embed/>
+                </p:oleObj>
+              </mc:Choice>
+              <mc:Fallback>
+                <p:oleObj name="think-cell Slide" r:id="rId3" imgW="7772400" imgH="10058400" progId="TCLayout.ActiveDocument.1">
+                  <p:embed/>
+                  <p:pic>
+                    <p:nvPicPr>
+                      <p:cNvPr id="4" name="Object 3" hidden="1">
+                        <a:extLst>
+                          <a:ext uri="{FF2B5EF4-FFF2-40B4-BE49-F238E27FC236}">
+                            <a16:creationId xmlns:a16="http://schemas.microsoft.com/office/drawing/2014/main" id="{164E5AEB-7C96-324B-9CE8-3536DA5F9082}"/>
+                          </a:ext>
+                        </a:extLst>
+                      </p:cNvPr>
+                      <p:cNvPicPr/>
+                      <p:nvPr/>
+                    </p:nvPicPr>
+                    <p:blipFill>
+                      <a:blip r:embed="rId4"/>
+                      <a:stretch>
+                        <a:fillRect/>
+                      </a:stretch>
+                    </p:blipFill>
+                    <p:spPr>
+                      <a:xfrm>
+                        <a:off x="1588" y="1588"/>
+                        <a:ext cx="1227" cy="1588"/>
+                      </a:xfrm>
+                      <a:prstGeom prst="rect">
+                        <a:avLst/>
+                      </a:prstGeom>
+                    </p:spPr>
+                  </p:pic>
+                </p:oleObj>
+              </mc:Fallback>
+            </mc:AlternateContent>
+          </a:graphicData>
+        </a:graphic>
+      </p:graphicFrame>
+      <p:sp>
+        <p:nvSpPr>
+          <p:cNvPr id="8" name="TextBox 7">
+            <a:extLst>
+              <a:ext uri="{FF2B5EF4-FFF2-40B4-BE49-F238E27FC236}">
+                <a16:creationId xmlns:a16="http://schemas.microsoft.com/office/drawing/2014/main" id="{703C40E3-F5CA-F947-AFA8-F461945BD648}"/>
+              </a:ext>
+            </a:extLst>
+          </p:cNvPr>
+          <p:cNvSpPr txBox="1"/>
+          <p:nvPr/>
+        </p:nvSpPr>
+        <p:spPr>
+          <a:xfrm>
+            <a:off x="228785" y="4017540"/>
+            <a:ext cx="1262269" cy="369332"/>
+          </a:xfrm>
+          <a:prstGeom prst="rect">
+            <a:avLst/>
+          </a:prstGeom>
+          <a:noFill/>
+        </p:spPr>
+        <p:txBody>
+          <a:bodyPr wrap="none" rtlCol="0">
+            <a:spAutoFit/>
+          </a:bodyPr>
+          <a:lstStyle/>
+          <a:p>
+            <a:r>
+              <a:rPr lang="de-DE" dirty="0">
+                <a:latin typeface="Lato Light" panose="020F0302020204030203" pitchFamily="34" charset="77"/>
+              </a:rPr>
+              <a:t>Parameter</a:t>
+            </a:r>
+          </a:p>
+        </p:txBody>
+      </p:sp>
+      <p:cxnSp>
+        <p:nvCxnSpPr>
+          <p:cNvPr id="9" name="Straight Arrow Connector 8">
+            <a:extLst>
+              <a:ext uri="{FF2B5EF4-FFF2-40B4-BE49-F238E27FC236}">
+                <a16:creationId xmlns:a16="http://schemas.microsoft.com/office/drawing/2014/main" id="{A54DFF52-89FA-3D46-9139-633540144AA5}"/>
+              </a:ext>
+            </a:extLst>
+          </p:cNvPr>
+          <p:cNvCxnSpPr>
+            <a:cxnSpLocks/>
+          </p:cNvCxnSpPr>
+          <p:nvPr/>
+        </p:nvCxnSpPr>
+        <p:spPr>
+          <a:xfrm>
+            <a:off x="1491054" y="4215653"/>
+            <a:ext cx="605117" cy="0"/>
+          </a:xfrm>
+          <a:prstGeom prst="straightConnector1">
+            <a:avLst/>
+          </a:prstGeom>
+          <a:ln>
+            <a:solidFill>
+              <a:schemeClr val="tx1"/>
+            </a:solidFill>
+            <a:tailEnd type="triangle"/>
+          </a:ln>
+        </p:spPr>
+        <p:style>
+          <a:lnRef idx="1">
+            <a:schemeClr val="accent1"/>
+          </a:lnRef>
+          <a:fillRef idx="0">
+            <a:schemeClr val="accent1"/>
+          </a:fillRef>
+          <a:effectRef idx="0">
+            <a:schemeClr val="accent1"/>
+          </a:effectRef>
+          <a:fontRef idx="minor">
+            <a:schemeClr val="tx1"/>
+          </a:fontRef>
+        </p:style>
+      </p:cxnSp>
+      <p:sp>
+        <p:nvSpPr>
+          <p:cNvPr id="13" name="Rectangle 12">
+            <a:extLst>
+              <a:ext uri="{FF2B5EF4-FFF2-40B4-BE49-F238E27FC236}">
+                <a16:creationId xmlns:a16="http://schemas.microsoft.com/office/drawing/2014/main" id="{7BF075C7-0151-504F-B735-270F794A4F4F}"/>
+              </a:ext>
+            </a:extLst>
+          </p:cNvPr>
+          <p:cNvSpPr/>
+          <p:nvPr/>
+        </p:nvSpPr>
+        <p:spPr>
+          <a:xfrm>
+            <a:off x="2151530" y="3429000"/>
+            <a:ext cx="1949824" cy="1573305"/>
+          </a:xfrm>
+          <a:prstGeom prst="rect">
+            <a:avLst/>
+          </a:prstGeom>
+          <a:noFill/>
+          <a:ln>
+            <a:solidFill>
+              <a:schemeClr val="tx1"/>
+            </a:solidFill>
+          </a:ln>
+        </p:spPr>
+        <p:style>
+          <a:lnRef idx="2">
+            <a:schemeClr val="accent1">
+              <a:shade val="50000"/>
+            </a:schemeClr>
+          </a:lnRef>
+          <a:fillRef idx="1">
+            <a:schemeClr val="accent1"/>
+          </a:fillRef>
+          <a:effectRef idx="0">
+            <a:schemeClr val="accent1"/>
+          </a:effectRef>
+          <a:fontRef idx="minor">
+            <a:schemeClr val="lt1"/>
+          </a:fontRef>
+        </p:style>
+        <p:txBody>
+          <a:bodyPr rtlCol="0" anchor="ctr"/>
+          <a:lstStyle/>
+          <a:p>
+            <a:pPr algn="ctr"/>
+            <a:r>
+              <a:rPr lang="de-DE" dirty="0">
+                <a:solidFill>
+                  <a:schemeClr val="tx1"/>
+                </a:solidFill>
+                <a:latin typeface="Lato Light" panose="020F0302020204030203" pitchFamily="34" charset="77"/>
+              </a:rPr>
+              <a:t>Funktionen</a:t>
+            </a:r>
+          </a:p>
+        </p:txBody>
+      </p:sp>
+      <p:cxnSp>
+        <p:nvCxnSpPr>
+          <p:cNvPr id="14" name="Straight Arrow Connector 13">
+            <a:extLst>
+              <a:ext uri="{FF2B5EF4-FFF2-40B4-BE49-F238E27FC236}">
+                <a16:creationId xmlns:a16="http://schemas.microsoft.com/office/drawing/2014/main" id="{7DAAAD9F-AFC5-1346-9871-B75C238558FD}"/>
+              </a:ext>
+            </a:extLst>
+          </p:cNvPr>
+          <p:cNvCxnSpPr>
+            <a:cxnSpLocks/>
+          </p:cNvCxnSpPr>
+          <p:nvPr/>
+        </p:nvCxnSpPr>
+        <p:spPr>
+          <a:xfrm>
+            <a:off x="4173073" y="4202206"/>
+            <a:ext cx="605117" cy="0"/>
+          </a:xfrm>
+          <a:prstGeom prst="straightConnector1">
+            <a:avLst/>
+          </a:prstGeom>
+          <a:ln>
+            <a:solidFill>
+              <a:schemeClr val="tx1"/>
+            </a:solidFill>
+            <a:tailEnd type="triangle"/>
+          </a:ln>
+        </p:spPr>
+        <p:style>
+          <a:lnRef idx="1">
+            <a:schemeClr val="accent1"/>
+          </a:lnRef>
+          <a:fillRef idx="0">
+            <a:schemeClr val="accent1"/>
+          </a:fillRef>
+          <a:effectRef idx="0">
+            <a:schemeClr val="accent1"/>
+          </a:effectRef>
+          <a:fontRef idx="minor">
+            <a:schemeClr val="tx1"/>
+          </a:fontRef>
+        </p:style>
+      </p:cxnSp>
+      <p:sp>
+        <p:nvSpPr>
+          <p:cNvPr id="15" name="TextBox 14">
+            <a:extLst>
+              <a:ext uri="{FF2B5EF4-FFF2-40B4-BE49-F238E27FC236}">
+                <a16:creationId xmlns:a16="http://schemas.microsoft.com/office/drawing/2014/main" id="{15BCCEE6-C5DF-5343-9704-BF0CAD8697C5}"/>
+              </a:ext>
+            </a:extLst>
+          </p:cNvPr>
+          <p:cNvSpPr txBox="1"/>
+          <p:nvPr/>
+        </p:nvSpPr>
+        <p:spPr>
+          <a:xfrm>
+            <a:off x="4823015" y="4017540"/>
+            <a:ext cx="1149674" cy="369332"/>
+          </a:xfrm>
+          <a:prstGeom prst="rect">
+            <a:avLst/>
+          </a:prstGeom>
+          <a:noFill/>
+        </p:spPr>
+        <p:txBody>
+          <a:bodyPr wrap="none" rtlCol="0">
+            <a:spAutoFit/>
+          </a:bodyPr>
+          <a:lstStyle/>
+          <a:p>
+            <a:r>
+              <a:rPr lang="de-DE" dirty="0">
+                <a:latin typeface="Lato Light" panose="020F0302020204030203" pitchFamily="34" charset="77"/>
+              </a:rPr>
+              <a:t>Rückgabe</a:t>
+            </a:r>
+          </a:p>
+        </p:txBody>
+      </p:sp>
+    </p:spTree>
+    <p:extLst>
+      <p:ext uri="{BB962C8B-B14F-4D97-AF65-F5344CB8AC3E}">
+        <p14:creationId xmlns:p14="http://schemas.microsoft.com/office/powerpoint/2010/main" val="1915475066"/>
+      </p:ext>
+    </p:extLst>
+  </p:cSld>
+  <p:clrMapOvr>
+    <a:masterClrMapping/>
+  </p:clrMapOvr>
+</p:sld>
+</file>
+
+<file path=ppt/slides/slide8.xml><?xml version="1.0" encoding="utf-8"?>
+<p:sld xmlns:a="http://schemas.openxmlformats.org/drawingml/2006/main" xmlns:r="http://schemas.openxmlformats.org/officeDocument/2006/relationships" xmlns:p="http://schemas.openxmlformats.org/presentationml/2006/main">
+  <p:cSld>
+    <p:spTree>
+      <p:nvGrpSpPr>
+        <p:cNvPr id="1" name=""/>
+        <p:cNvGrpSpPr/>
+        <p:nvPr/>
+      </p:nvGrpSpPr>
+      <p:grpSpPr>
+        <a:xfrm>
+          <a:off x="0" y="0"/>
+          <a:ext cx="0" cy="0"/>
+          <a:chOff x="0" y="0"/>
+          <a:chExt cx="0" cy="0"/>
+        </a:xfrm>
+      </p:grpSpPr>
+      <p:graphicFrame>
+        <p:nvGraphicFramePr>
+          <p:cNvPr id="4" name="Object 3" hidden="1">
+            <a:extLst>
+              <a:ext uri="{FF2B5EF4-FFF2-40B4-BE49-F238E27FC236}">
+                <a16:creationId xmlns:a16="http://schemas.microsoft.com/office/drawing/2014/main" id="{00157BD2-12ED-954F-9BA2-3DB7503C79E9}"/>
+              </a:ext>
+            </a:extLst>
+          </p:cNvPr>
+          <p:cNvGraphicFramePr>
+            <a:graphicFrameLocks noChangeAspect="1"/>
+          </p:cNvGraphicFramePr>
+          <p:nvPr>
+            <p:custDataLst>
+              <p:tags r:id="rId1"/>
             </p:custDataLst>
             <p:extLst>
               <p:ext uri="{D42A27DB-BD31-4B8C-83A1-F6EECF244321}">
@@ -6314,12 +6872,12 @@
           <a:graphicData uri="http://schemas.openxmlformats.org/presentationml/2006/ole">
             <mc:AlternateContent xmlns:mc="http://schemas.openxmlformats.org/markup-compatibility/2006">
               <mc:Choice xmlns:v="urn:schemas-microsoft-com:vml" Requires="v">
-                <p:oleObj spid="_x0000_s7170" name="think-cell Slide" r:id="rId4" imgW="7772400" imgH="10058400" progId="TCLayout.ActiveDocument.1">
+                <p:oleObj name="think-cell Slide" r:id="rId3" imgW="7772400" imgH="10058400" progId="TCLayout.ActiveDocument.1">
                   <p:embed/>
                 </p:oleObj>
               </mc:Choice>
               <mc:Fallback>
-                <p:oleObj name="think-cell Slide" r:id="rId4" imgW="7772400" imgH="10058400" progId="TCLayout.ActiveDocument.1">
+                <p:oleObj name="think-cell Slide" r:id="rId3" imgW="7772400" imgH="10058400" progId="TCLayout.ActiveDocument.1">
                   <p:embed/>
                   <p:pic>
                     <p:nvPicPr>
@@ -6328,7 +6886,7 @@
                       <p:nvPr/>
                     </p:nvPicPr>
                     <p:blipFill>
-                      <a:blip r:embed="rId5"/>
+                      <a:blip r:embed="rId4"/>
                       <a:stretch>
                         <a:fillRect/>
                       </a:stretch>
